--- a/fuentes/contenidos/grado07/guion07/MapaConceptual.pptx
+++ b/fuentes/contenidos/grado07/guion07/MapaConceptual.pptx
@@ -106,7 +106,18 @@
   </p:defaultTextStyle>
   <p:extLst>
     <p:ext uri="{EFAFB233-063F-42B5-8137-9DF3F51BA10A}">
-      <p15:sldGuideLst xmlns="" xmlns:p15="http://schemas.microsoft.com/office/powerpoint/2012/main"/>
+      <p15:sldGuideLst xmlns:p15="http://schemas.microsoft.com/office/powerpoint/2012/main">
+        <p15:guide id="1" orient="horz" pos="2160">
+          <p15:clr>
+            <a:srgbClr val="A4A3A4"/>
+          </p15:clr>
+        </p15:guide>
+        <p15:guide id="2" pos="2880">
+          <p15:clr>
+            <a:srgbClr val="A4A3A4"/>
+          </p15:clr>
+        </p15:guide>
+      </p15:sldGuideLst>
     </p:ext>
   </p:extLst>
 </p:presentation>
@@ -450,7 +461,7 @@
           <a:p>
             <a:fld id="{5001C876-01F7-4317-94B9-1AE222133113}" type="datetimeFigureOut">
               <a:rPr lang="es-ES" smtClean="0"/>
-              <a:t>12/11/2015</a:t>
+              <a:t>23/01/2016</a:t>
             </a:fld>
             <a:endParaRPr lang="es-ES"/>
           </a:p>
@@ -1574,27 +1585,7 @@
                 <a:latin typeface="Arial" panose="020B0604020202020204" pitchFamily="34" charset="0"/>
                 <a:cs typeface="Arial" panose="020B0604020202020204" pitchFamily="34" charset="0"/>
               </a:rPr>
-              <a:t>m </a:t>
-            </a:r>
-            <a:r>
-              <a:rPr lang="es-ES" sz="900" dirty="0" smtClean="0">
-                <a:solidFill>
-                  <a:schemeClr val="tx1"/>
-                </a:solidFill>
-                <a:latin typeface="Arial" panose="020B0604020202020204" pitchFamily="34" charset="0"/>
-                <a:cs typeface="Arial" panose="020B0604020202020204" pitchFamily="34" charset="0"/>
-              </a:rPr>
-              <a:t>es a </a:t>
-            </a:r>
-            <a:r>
-              <a:rPr lang="es-ES" sz="900" dirty="0" smtClean="0">
-                <a:solidFill>
-                  <a:schemeClr val="tx1"/>
-                </a:solidFill>
-                <a:latin typeface="Arial" panose="020B0604020202020204" pitchFamily="34" charset="0"/>
-                <a:cs typeface="Arial" panose="020B0604020202020204" pitchFamily="34" charset="0"/>
-              </a:rPr>
-              <a:t>n</a:t>
+              <a:t>m es a n</a:t>
             </a:r>
             <a:endParaRPr lang="es-ES" sz="900" dirty="0">
               <a:solidFill>
@@ -2446,24 +2437,14 @@
           <a:p>
             <a:pPr algn="ctr"/>
             <a:r>
-              <a:rPr lang="es-ES" sz="900" dirty="0" err="1">
+              <a:rPr lang="es-ES" sz="900" smtClean="0">
                 <a:solidFill>
                   <a:schemeClr val="tx1"/>
                 </a:solidFill>
                 <a:latin typeface="Arial" panose="020B0604020202020204" pitchFamily="34" charset="0"/>
                 <a:cs typeface="Arial" panose="020B0604020202020204" pitchFamily="34" charset="0"/>
               </a:rPr>
-              <a:t>m</a:t>
-            </a:r>
-            <a:r>
-              <a:rPr lang="es-ES" sz="900" dirty="0" err="1" smtClean="0">
-                <a:solidFill>
-                  <a:schemeClr val="tx1"/>
-                </a:solidFill>
-                <a:latin typeface="Arial" panose="020B0604020202020204" pitchFamily="34" charset="0"/>
-                <a:cs typeface="Arial" panose="020B0604020202020204" pitchFamily="34" charset="0"/>
-              </a:rPr>
-              <a:t>.b</a:t>
+              <a:t>m.b </a:t>
             </a:r>
             <a:r>
               <a:rPr lang="es-ES" sz="900" dirty="0" smtClean="0">
@@ -2473,7 +2454,7 @@
                 <a:latin typeface="Arial" panose="020B0604020202020204" pitchFamily="34" charset="0"/>
                 <a:cs typeface="Arial" panose="020B0604020202020204" pitchFamily="34" charset="0"/>
               </a:rPr>
-              <a:t>=</a:t>
+              <a:t>= </a:t>
             </a:r>
             <a:r>
               <a:rPr lang="es-ES" sz="900" dirty="0" err="1" smtClean="0">
@@ -3522,13 +3503,6 @@
               </a:rPr>
               <a:t>de las magnitudes es constante</a:t>
             </a:r>
-            <a:endParaRPr lang="es-ES" sz="900" dirty="0">
-              <a:solidFill>
-                <a:schemeClr val="tx1"/>
-              </a:solidFill>
-              <a:latin typeface="Arial" panose="020B0604020202020204" pitchFamily="34" charset="0"/>
-              <a:cs typeface="Arial" panose="020B0604020202020204" pitchFamily="34" charset="0"/>
-            </a:endParaRPr>
           </a:p>
         </p:txBody>
       </p:sp>
@@ -4641,7 +4615,7 @@
   <a:extraClrSchemeLst/>
   <a:extLst>
     <a:ext uri="{05A4C25C-085E-4340-85A3-A5531E510DB2}">
-      <thm15:themeFamily xmlns="" xmlns:thm15="http://schemas.microsoft.com/office/thememl/2012/main" name="Office Theme" id="{62F939B6-93AF-4DB8-9C6B-D6C7DFDC589F}" vid="{4A3C46E8-61CC-4603-A589-7422A47A8E4A}"/>
+      <thm15:themeFamily xmlns:thm15="http://schemas.microsoft.com/office/thememl/2012/main" name="Office Theme" id="{62F939B6-93AF-4DB8-9C6B-D6C7DFDC589F}" vid="{4A3C46E8-61CC-4603-A589-7422A47A8E4A}"/>
     </a:ext>
   </a:extLst>
 </a:theme>

--- a/fuentes/contenidos/grado07/guion07/MapaConceptual.pptx
+++ b/fuentes/contenidos/grado07/guion07/MapaConceptual.pptx
@@ -8,7 +8,7 @@
     <p:sldId id="256" r:id="rId2"/>
   </p:sldIdLst>
   <p:sldSz cx="9144000" cy="6858000" type="letter"/>
-  <p:notesSz cx="6794500" cy="9918700"/>
+  <p:notesSz cx="7315200" cy="9601200"/>
   <p:defaultTextStyle>
     <a:defPPr>
       <a:defRPr lang="es-ES"/>
@@ -150,13 +150,6 @@
   <p:clrMapOvr>
     <a:masterClrMapping/>
   </p:clrMapOvr>
-  <p:timing>
-    <p:tnLst>
-      <p:par>
-        <p:cTn id="1" dur="indefinite" restart="never" nodeType="tmRoot"/>
-      </p:par>
-    </p:tnLst>
-  </p:timing>
 </p:sldLayout>
 </file>
 
@@ -187,13 +180,6 @@
   <p:clrMapOvr>
     <a:masterClrMapping/>
   </p:clrMapOvr>
-  <p:timing>
-    <p:tnLst>
-      <p:par>
-        <p:cTn id="1" dur="indefinite" restart="never" nodeType="tmRoot"/>
-      </p:par>
-    </p:tnLst>
-  </p:timing>
 </p:sldLayout>
 </file>
 
@@ -224,13 +210,6 @@
   <p:clrMapOvr>
     <a:masterClrMapping/>
   </p:clrMapOvr>
-  <p:timing>
-    <p:tnLst>
-      <p:par>
-        <p:cTn id="1" dur="indefinite" restart="never" nodeType="tmRoot"/>
-      </p:par>
-    </p:tnLst>
-  </p:timing>
 </p:sldLayout>
 </file>
 
@@ -261,13 +240,6 @@
   <p:clrMapOvr>
     <a:masterClrMapping/>
   </p:clrMapOvr>
-  <p:timing>
-    <p:tnLst>
-      <p:par>
-        <p:cTn id="1" dur="indefinite" restart="never" nodeType="tmRoot"/>
-      </p:par>
-    </p:tnLst>
-  </p:timing>
 </p:sldLayout>
 </file>
 
@@ -298,13 +270,6 @@
   <p:clrMapOvr>
     <a:masterClrMapping/>
   </p:clrMapOvr>
-  <p:timing>
-    <p:tnLst>
-      <p:par>
-        <p:cTn id="1" dur="indefinite" restart="never" nodeType="tmRoot"/>
-      </p:par>
-    </p:tnLst>
-  </p:timing>
 </p:sldLayout>
 </file>
 
@@ -335,13 +300,6 @@
   <p:clrMapOvr>
     <a:masterClrMapping/>
   </p:clrMapOvr>
-  <p:timing>
-    <p:tnLst>
-      <p:par>
-        <p:cTn id="1" dur="indefinite" restart="never" nodeType="tmRoot"/>
-      </p:par>
-    </p:tnLst>
-  </p:timing>
 </p:sldLayout>
 </file>
 
@@ -372,13 +330,6 @@
   <p:clrMapOvr>
     <a:masterClrMapping/>
   </p:clrMapOvr>
-  <p:timing>
-    <p:tnLst>
-      <p:par>
-        <p:cTn id="1" dur="indefinite" restart="never" nodeType="tmRoot"/>
-      </p:par>
-    </p:tnLst>
-  </p:timing>
 </p:sldLayout>
 </file>
 
@@ -409,13 +360,6 @@
   <p:clrMapOvr>
     <a:masterClrMapping/>
   </p:clrMapOvr>
-  <p:timing>
-    <p:tnLst>
-      <p:par>
-        <p:cTn id="1" dur="indefinite" restart="never" nodeType="tmRoot"/>
-      </p:par>
-    </p:tnLst>
-  </p:timing>
 </p:sldLayout>
 </file>
 
@@ -461,7 +405,7 @@
           <a:p>
             <a:fld id="{5001C876-01F7-4317-94B9-1AE222133113}" type="datetimeFigureOut">
               <a:rPr lang="es-ES" smtClean="0"/>
-              <a:t>23/01/2016</a:t>
+              <a:t>08/02/2016</a:t>
             </a:fld>
             <a:endParaRPr lang="es-ES"/>
           </a:p>
@@ -535,13 +479,6 @@
   <p:clrMapOvr>
     <a:masterClrMapping/>
   </p:clrMapOvr>
-  <p:timing>
-    <p:tnLst>
-      <p:par>
-        <p:cTn id="1" dur="indefinite" restart="never" nodeType="tmRoot"/>
-      </p:par>
-    </p:tnLst>
-  </p:timing>
 </p:sldLayout>
 </file>
 
@@ -572,13 +509,6 @@
   <p:clrMapOvr>
     <a:masterClrMapping/>
   </p:clrMapOvr>
-  <p:timing>
-    <p:tnLst>
-      <p:par>
-        <p:cTn id="1" dur="indefinite" restart="never" nodeType="tmRoot"/>
-      </p:par>
-    </p:tnLst>
-  </p:timing>
 </p:sldLayout>
 </file>
 
@@ -609,13 +539,6 @@
   <p:clrMapOvr>
     <a:masterClrMapping/>
   </p:clrMapOvr>
-  <p:timing>
-    <p:tnLst>
-      <p:par>
-        <p:cTn id="1" dur="indefinite" restart="never" nodeType="tmRoot"/>
-      </p:par>
-    </p:tnLst>
-  </p:timing>
 </p:sldLayout>
 </file>
 
@@ -669,7 +592,14 @@
                 <a:latin typeface="Arial" panose="020B0604020202020204" pitchFamily="34" charset="0"/>
                 <a:cs typeface="Arial" panose="020B0604020202020204" pitchFamily="34" charset="0"/>
               </a:rPr>
-              <a:t>© Editorial Planeta Colombiana S.A., 2015.</a:t>
+              <a:t>© Editorial Planeta Colombiana S.A., </a:t>
+            </a:r>
+            <a:r>
+              <a:rPr lang="es-ES" sz="1200" dirty="0" smtClean="0">
+                <a:latin typeface="Arial" panose="020B0604020202020204" pitchFamily="34" charset="0"/>
+                <a:cs typeface="Arial" panose="020B0604020202020204" pitchFamily="34" charset="0"/>
+              </a:rPr>
+              <a:t>2016.</a:t>
             </a:r>
             <a:endParaRPr lang="es-ES" sz="1200" dirty="0">
               <a:latin typeface="Arial" panose="020B0604020202020204" pitchFamily="34" charset="0"/>
@@ -729,13 +659,6 @@
     <p:sldLayoutId id="2147483670" r:id="rId10"/>
     <p:sldLayoutId id="2147483671" r:id="rId11"/>
   </p:sldLayoutIdLst>
-  <p:timing>
-    <p:tnLst>
-      <p:par>
-        <p:cTn id="1" dur="indefinite" restart="never" nodeType="tmRoot"/>
-      </p:par>
-    </p:tnLst>
-  </p:timing>
   <p:txStyles>
     <p:titleStyle>
       <a:lvl1pPr algn="l" defTabSz="914400" rtl="0" eaLnBrk="1" latinLnBrk="0" hangingPunct="1">
@@ -1100,8 +1023,8 @@
         </p:nvSpPr>
         <p:spPr>
           <a:xfrm>
-            <a:off x="557987" y="991873"/>
-            <a:ext cx="1654172" cy="439782"/>
+            <a:off x="819281" y="875638"/>
+            <a:ext cx="1126617" cy="439782"/>
           </a:xfrm>
           <a:prstGeom prst="rect">
             <a:avLst/>
@@ -1166,8 +1089,8 @@
         </p:nvCxnSpPr>
         <p:spPr>
           <a:xfrm rot="5400000">
-            <a:off x="2787967" y="-971758"/>
-            <a:ext cx="560737" cy="3366524"/>
+            <a:off x="2844843" y="-1031116"/>
+            <a:ext cx="444502" cy="3369007"/>
           </a:xfrm>
           <a:prstGeom prst="bentConnector3">
             <a:avLst/>
@@ -1240,9 +1163,9 @@
           <p:nvPr/>
         </p:nvCxnSpPr>
         <p:spPr>
-          <a:xfrm rot="5400000">
-            <a:off x="1313093" y="1503245"/>
-            <a:ext cx="143570" cy="390"/>
+          <a:xfrm rot="16200000" flipH="1">
+            <a:off x="1253734" y="1444275"/>
+            <a:ext cx="259805" cy="2093"/>
           </a:xfrm>
           <a:prstGeom prst="bentConnector3">
             <a:avLst>
@@ -1322,7 +1245,17 @@
                 <a:latin typeface="Arial" panose="020B0604020202020204" pitchFamily="34" charset="0"/>
                 <a:cs typeface="Arial" panose="020B0604020202020204" pitchFamily="34" charset="0"/>
               </a:rPr>
-              <a:t>Cociente indicado de dos cantidades</a:t>
+              <a:t>cociente </a:t>
+            </a:r>
+            <a:r>
+              <a:rPr lang="es-ES" sz="1050" dirty="0" smtClean="0">
+                <a:solidFill>
+                  <a:schemeClr val="bg1"/>
+                </a:solidFill>
+                <a:latin typeface="Arial" panose="020B0604020202020204" pitchFamily="34" charset="0"/>
+                <a:cs typeface="Arial" panose="020B0604020202020204" pitchFamily="34" charset="0"/>
+              </a:rPr>
+              <a:t>indicado de dos cantidades</a:t>
             </a:r>
             <a:endParaRPr lang="es-ES" sz="1050" dirty="0">
               <a:solidFill>
@@ -1382,7 +1315,7 @@
         </p:nvSpPr>
         <p:spPr>
           <a:xfrm>
-            <a:off x="821910" y="2667730"/>
+            <a:off x="821910" y="2605738"/>
             <a:ext cx="1117174" cy="230836"/>
           </a:xfrm>
           <a:prstGeom prst="rect">
@@ -1429,8 +1362,8 @@
         </p:nvCxnSpPr>
         <p:spPr>
           <a:xfrm rot="5400000">
-            <a:off x="1299481" y="2585557"/>
-            <a:ext cx="163190" cy="1157"/>
+            <a:off x="1330477" y="2554561"/>
+            <a:ext cx="101198" cy="1157"/>
           </a:xfrm>
           <a:prstGeom prst="bentConnector3">
             <a:avLst>
@@ -1466,8 +1399,8 @@
         </p:nvSpPr>
         <p:spPr>
           <a:xfrm>
-            <a:off x="823467" y="3103988"/>
-            <a:ext cx="1122431" cy="343441"/>
+            <a:off x="819281" y="2995502"/>
+            <a:ext cx="1119803" cy="664890"/>
           </a:xfrm>
           <a:prstGeom prst="rect">
             <a:avLst/>
@@ -1543,8 +1476,8 @@
         </p:nvSpPr>
         <p:spPr>
           <a:xfrm>
-            <a:off x="825417" y="4068456"/>
-            <a:ext cx="1122431" cy="353519"/>
+            <a:off x="819281" y="4261362"/>
+            <a:ext cx="1119803" cy="567759"/>
           </a:xfrm>
           <a:prstGeom prst="rect">
             <a:avLst/>
@@ -1605,7 +1538,7 @@
         </p:nvSpPr>
         <p:spPr>
           <a:xfrm>
-            <a:off x="825417" y="3656066"/>
+            <a:off x="825417" y="3795548"/>
             <a:ext cx="1117174" cy="230832"/>
           </a:xfrm>
           <a:prstGeom prst="rect">
@@ -1651,9 +1584,9 @@
           <p:nvPr/>
         </p:nvCxnSpPr>
         <p:spPr>
-          <a:xfrm rot="16200000" flipH="1">
-            <a:off x="1279879" y="2999184"/>
-            <a:ext cx="205422" cy="4186"/>
+          <a:xfrm rot="5400000">
+            <a:off x="1300376" y="2915381"/>
+            <a:ext cx="158928" cy="1314"/>
           </a:xfrm>
           <a:prstGeom prst="bentConnector3">
             <a:avLst>
@@ -1691,9 +1624,9 @@
           <p:nvPr/>
         </p:nvCxnSpPr>
         <p:spPr>
-          <a:xfrm rot="5400000">
-            <a:off x="1280026" y="3551408"/>
-            <a:ext cx="208637" cy="679"/>
+          <a:xfrm rot="16200000" flipH="1">
+            <a:off x="1314015" y="3725559"/>
+            <a:ext cx="135156" cy="4821"/>
           </a:xfrm>
           <a:prstGeom prst="bentConnector3">
             <a:avLst>
@@ -1731,9 +1664,9 @@
           <p:nvPr/>
         </p:nvCxnSpPr>
         <p:spPr>
-          <a:xfrm rot="16200000" flipH="1">
-            <a:off x="1294539" y="3976362"/>
-            <a:ext cx="181558" cy="2629"/>
+          <a:xfrm rot="5400000">
+            <a:off x="1264103" y="4141461"/>
+            <a:ext cx="234982" cy="4821"/>
           </a:xfrm>
           <a:prstGeom prst="bentConnector3">
             <a:avLst>
@@ -1769,8 +1702,8 @@
         </p:nvSpPr>
         <p:spPr>
           <a:xfrm>
-            <a:off x="2580099" y="1002812"/>
-            <a:ext cx="1689194" cy="439782"/>
+            <a:off x="2799375" y="886577"/>
+            <a:ext cx="1248347" cy="439782"/>
           </a:xfrm>
           <a:prstGeom prst="rect">
             <a:avLst/>
@@ -1835,8 +1768,8 @@
         </p:nvCxnSpPr>
         <p:spPr>
           <a:xfrm rot="5400000">
-            <a:off x="3802309" y="53524"/>
-            <a:ext cx="571676" cy="1326901"/>
+            <a:off x="3859853" y="-5168"/>
+            <a:ext cx="455441" cy="1328048"/>
           </a:xfrm>
           <a:prstGeom prst="bentConnector3">
             <a:avLst/>
@@ -1914,7 +1847,17 @@
                 <a:latin typeface="Arial" panose="020B0604020202020204" pitchFamily="34" charset="0"/>
                 <a:cs typeface="Arial" panose="020B0604020202020204" pitchFamily="34" charset="0"/>
               </a:rPr>
-              <a:t>Igualdad  entre dos razones</a:t>
+              <a:t>igualdad  </a:t>
+            </a:r>
+            <a:r>
+              <a:rPr lang="es-ES" sz="1050" dirty="0" smtClean="0">
+                <a:solidFill>
+                  <a:schemeClr val="bg1"/>
+                </a:solidFill>
+                <a:latin typeface="Arial" panose="020B0604020202020204" pitchFamily="34" charset="0"/>
+                <a:cs typeface="Arial" panose="020B0604020202020204" pitchFamily="34" charset="0"/>
+              </a:rPr>
+              <a:t>entre dos razones</a:t>
             </a:r>
             <a:endParaRPr lang="es-ES" sz="1050" dirty="0">
               <a:solidFill>
@@ -1937,8 +1880,8 @@
         </p:nvCxnSpPr>
         <p:spPr>
           <a:xfrm rot="5400000">
-            <a:off x="3037604" y="1208152"/>
-            <a:ext cx="152651" cy="621534"/>
+            <a:off x="2978913" y="1150609"/>
+            <a:ext cx="268886" cy="620387"/>
           </a:xfrm>
           <a:prstGeom prst="bentConnector3">
             <a:avLst>
@@ -1974,7 +1917,7 @@
         </p:nvSpPr>
         <p:spPr>
           <a:xfrm>
-            <a:off x="2244575" y="2677983"/>
+            <a:off x="2244575" y="2615991"/>
             <a:ext cx="1117174" cy="230836"/>
           </a:xfrm>
           <a:prstGeom prst="rect">
@@ -2058,8 +2001,8 @@
         </p:nvSpPr>
         <p:spPr>
           <a:xfrm>
-            <a:off x="2332989" y="3094179"/>
-            <a:ext cx="942976" cy="552079"/>
+            <a:off x="2244152" y="2995502"/>
+            <a:ext cx="1114687" cy="664890"/>
           </a:xfrm>
           <a:prstGeom prst="rect">
             <a:avLst/>
@@ -2145,8 +2088,8 @@
         </p:nvSpPr>
         <p:spPr>
           <a:xfrm>
-            <a:off x="2239912" y="4183871"/>
-            <a:ext cx="1118927" cy="455641"/>
+            <a:off x="2239912" y="4261363"/>
+            <a:ext cx="1118927" cy="567759"/>
           </a:xfrm>
           <a:prstGeom prst="rect">
             <a:avLst/>
@@ -2242,9 +2185,9 @@
           <p:nvPr/>
         </p:nvCxnSpPr>
         <p:spPr>
-          <a:xfrm rot="16200000" flipH="1">
-            <a:off x="2711139" y="3000841"/>
-            <a:ext cx="185360" cy="1315"/>
+          <a:xfrm rot="5400000">
+            <a:off x="2727992" y="2920331"/>
+            <a:ext cx="148675" cy="1666"/>
           </a:xfrm>
           <a:prstGeom prst="bentConnector3">
             <a:avLst>
@@ -2280,7 +2223,7 @@
         </p:nvSpPr>
         <p:spPr>
           <a:xfrm>
-            <a:off x="2245889" y="3785871"/>
+            <a:off x="2245889" y="3801369"/>
             <a:ext cx="1117174" cy="230832"/>
           </a:xfrm>
           <a:prstGeom prst="rect">
@@ -2326,9 +2269,9 @@
           <p:nvPr/>
         </p:nvCxnSpPr>
         <p:spPr>
-          <a:xfrm rot="5400000">
-            <a:off x="2734671" y="3716064"/>
-            <a:ext cx="139613" cy="1"/>
+          <a:xfrm rot="16200000" flipH="1">
+            <a:off x="2732498" y="3729390"/>
+            <a:ext cx="140977" cy="2980"/>
           </a:xfrm>
           <a:prstGeom prst="bentConnector3">
             <a:avLst>
@@ -2367,8 +2310,8 @@
         </p:nvCxnSpPr>
         <p:spPr>
           <a:xfrm rot="5400000" flipH="1" flipV="1">
-            <a:off x="2718342" y="4097737"/>
-            <a:ext cx="167168" cy="5100"/>
+            <a:off x="2687345" y="4144232"/>
+            <a:ext cx="229162" cy="5100"/>
           </a:xfrm>
           <a:prstGeom prst="bentConnector3">
             <a:avLst/>
@@ -2402,8 +2345,8 @@
         </p:nvSpPr>
         <p:spPr>
           <a:xfrm>
-            <a:off x="3485750" y="4175224"/>
-            <a:ext cx="1118927" cy="464288"/>
+            <a:off x="3485750" y="4252715"/>
+            <a:ext cx="1118927" cy="576407"/>
           </a:xfrm>
           <a:prstGeom prst="rect">
             <a:avLst/>
@@ -2437,14 +2380,14 @@
           <a:p>
             <a:pPr algn="ctr"/>
             <a:r>
-              <a:rPr lang="es-ES" sz="900" smtClean="0">
+              <a:rPr lang="es-ES" sz="900" dirty="0" err="1" smtClean="0">
                 <a:solidFill>
                   <a:schemeClr val="tx1"/>
                 </a:solidFill>
                 <a:latin typeface="Arial" panose="020B0604020202020204" pitchFamily="34" charset="0"/>
                 <a:cs typeface="Arial" panose="020B0604020202020204" pitchFamily="34" charset="0"/>
               </a:rPr>
-              <a:t>m.b </a:t>
+              <a:t>m.b</a:t>
             </a:r>
             <a:r>
               <a:rPr lang="es-ES" sz="900" dirty="0" smtClean="0">
@@ -2454,7 +2397,7 @@
                 <a:latin typeface="Arial" panose="020B0604020202020204" pitchFamily="34" charset="0"/>
                 <a:cs typeface="Arial" panose="020B0604020202020204" pitchFamily="34" charset="0"/>
               </a:rPr>
-              <a:t>= </a:t>
+              <a:t> = </a:t>
             </a:r>
             <a:r>
               <a:rPr lang="es-ES" sz="900" dirty="0" err="1" smtClean="0">
@@ -2484,8 +2427,8 @@
         </p:nvSpPr>
         <p:spPr>
           <a:xfrm>
-            <a:off x="3479930" y="3795342"/>
-            <a:ext cx="1120084" cy="230832"/>
+            <a:off x="3487679" y="3810840"/>
+            <a:ext cx="1112335" cy="230832"/>
           </a:xfrm>
           <a:prstGeom prst="rect">
             <a:avLst/>
@@ -2531,8 +2474,8 @@
         </p:nvCxnSpPr>
         <p:spPr>
           <a:xfrm rot="16200000" flipV="1">
-            <a:off x="2713079" y="2587900"/>
-            <a:ext cx="176380" cy="3786"/>
+            <a:off x="2744075" y="2556904"/>
+            <a:ext cx="114388" cy="3786"/>
           </a:xfrm>
           <a:prstGeom prst="bentConnector3">
             <a:avLst>
@@ -2571,8 +2514,8 @@
         </p:nvCxnSpPr>
         <p:spPr>
           <a:xfrm rot="5400000" flipH="1" flipV="1">
-            <a:off x="3956985" y="2579500"/>
-            <a:ext cx="172671" cy="3786"/>
+            <a:off x="3991253" y="2551776"/>
+            <a:ext cx="104135" cy="3786"/>
           </a:xfrm>
           <a:prstGeom prst="bentConnector3">
             <a:avLst>
@@ -2611,8 +2554,8 @@
         </p:nvCxnSpPr>
         <p:spPr>
           <a:xfrm rot="16200000" flipV="1">
-            <a:off x="3968068" y="4098078"/>
-            <a:ext cx="149050" cy="5242"/>
+            <a:off x="3939010" y="4146510"/>
+            <a:ext cx="211043" cy="1367"/>
           </a:xfrm>
           <a:prstGeom prst="bentConnector3">
             <a:avLst>
@@ -2648,8 +2591,8 @@
         </p:nvSpPr>
         <p:spPr>
           <a:xfrm>
-            <a:off x="3482840" y="1929359"/>
-            <a:ext cx="1124746" cy="565698"/>
+            <a:off x="3482840" y="1929358"/>
+            <a:ext cx="1124746" cy="572243"/>
           </a:xfrm>
           <a:prstGeom prst="rect">
             <a:avLst/>
@@ -2692,7 +2635,17 @@
                 <a:latin typeface="Arial" panose="020B0604020202020204" pitchFamily="34" charset="0"/>
                 <a:cs typeface="Arial" panose="020B0604020202020204" pitchFamily="34" charset="0"/>
               </a:rPr>
-              <a:t>Propiedad fundamental</a:t>
+              <a:t>propiedad </a:t>
+            </a:r>
+            <a:r>
+              <a:rPr lang="es-ES" sz="1050" dirty="0" smtClean="0">
+                <a:solidFill>
+                  <a:schemeClr val="bg1"/>
+                </a:solidFill>
+                <a:latin typeface="Arial" panose="020B0604020202020204" pitchFamily="34" charset="0"/>
+                <a:cs typeface="Arial" panose="020B0604020202020204" pitchFamily="34" charset="0"/>
+              </a:rPr>
+              <a:t>fundamental</a:t>
             </a:r>
             <a:endParaRPr lang="es-ES" sz="1050" dirty="0">
               <a:solidFill>
@@ -2715,8 +2668,8 @@
         </p:nvCxnSpPr>
         <p:spPr>
           <a:xfrm rot="16200000" flipH="1">
-            <a:off x="3651664" y="1215625"/>
-            <a:ext cx="162795" cy="616731"/>
+            <a:off x="3592973" y="1156935"/>
+            <a:ext cx="279030" cy="617878"/>
           </a:xfrm>
           <a:prstGeom prst="bentConnector3">
             <a:avLst>
@@ -2752,7 +2705,7 @@
         </p:nvSpPr>
         <p:spPr>
           <a:xfrm>
-            <a:off x="3482840" y="2667728"/>
+            <a:off x="3482840" y="2605736"/>
             <a:ext cx="1117174" cy="230836"/>
           </a:xfrm>
           <a:prstGeom prst="rect">
@@ -2792,8 +2745,8 @@
         </p:nvCxnSpPr>
         <p:spPr>
           <a:xfrm rot="16200000" flipH="1">
-            <a:off x="3996751" y="1880897"/>
-            <a:ext cx="93138" cy="3786"/>
+            <a:off x="3996752" y="1880896"/>
+            <a:ext cx="93137" cy="3786"/>
           </a:xfrm>
           <a:prstGeom prst="bentConnector3">
             <a:avLst>
@@ -2829,8 +2782,8 @@
         </p:nvSpPr>
         <p:spPr>
           <a:xfrm>
-            <a:off x="3381764" y="3117880"/>
-            <a:ext cx="1326899" cy="538185"/>
+            <a:off x="3479929" y="2995502"/>
+            <a:ext cx="1120085" cy="664890"/>
           </a:xfrm>
           <a:prstGeom prst="rect">
             <a:avLst/>
@@ -2873,7 +2826,17 @@
                 <a:latin typeface="Arial" panose="020B0604020202020204" pitchFamily="34" charset="0"/>
                 <a:cs typeface="Arial" panose="020B0604020202020204" pitchFamily="34" charset="0"/>
               </a:rPr>
-              <a:t>El producto de los medios es igual al producto de los extremos</a:t>
+              <a:t>el </a:t>
+            </a:r>
+            <a:r>
+              <a:rPr lang="es-ES" sz="900" dirty="0" smtClean="0">
+                <a:solidFill>
+                  <a:schemeClr val="tx1"/>
+                </a:solidFill>
+                <a:latin typeface="Arial" panose="020B0604020202020204" pitchFamily="34" charset="0"/>
+                <a:cs typeface="Arial" panose="020B0604020202020204" pitchFamily="34" charset="0"/>
+              </a:rPr>
+              <a:t>producto de los medios es igual al producto de los extremos</a:t>
             </a:r>
             <a:endParaRPr lang="es-ES" sz="900" dirty="0">
               <a:solidFill>
@@ -2893,7 +2856,7 @@
         </p:nvSpPr>
         <p:spPr>
           <a:xfrm>
-            <a:off x="4737842" y="4175223"/>
+            <a:off x="4737842" y="4252715"/>
             <a:ext cx="967110" cy="577751"/>
           </a:xfrm>
           <a:prstGeom prst="rect">
@@ -2935,7 +2898,17 @@
                 <a:latin typeface="Arial" panose="020B0604020202020204" pitchFamily="34" charset="0"/>
                 <a:cs typeface="Arial" panose="020B0604020202020204" pitchFamily="34" charset="0"/>
               </a:rPr>
-              <a:t>El cociente de las magnitudes es constante</a:t>
+              <a:t>el </a:t>
+            </a:r>
+            <a:r>
+              <a:rPr lang="es-ES" sz="900" dirty="0" smtClean="0">
+                <a:solidFill>
+                  <a:schemeClr val="tx1"/>
+                </a:solidFill>
+                <a:latin typeface="Arial" panose="020B0604020202020204" pitchFamily="34" charset="0"/>
+                <a:cs typeface="Arial" panose="020B0604020202020204" pitchFamily="34" charset="0"/>
+              </a:rPr>
+              <a:t>cociente de las magnitudes es constante</a:t>
             </a:r>
             <a:endParaRPr lang="es-ES" sz="900" dirty="0">
               <a:solidFill>
@@ -2955,7 +2928,7 @@
         </p:nvSpPr>
         <p:spPr>
           <a:xfrm>
-            <a:off x="5191026" y="2667727"/>
+            <a:off x="5183277" y="2605735"/>
             <a:ext cx="1117174" cy="230832"/>
           </a:xfrm>
           <a:prstGeom prst="rect">
@@ -2994,9 +2967,9 @@
           <p:nvPr/>
         </p:nvCxnSpPr>
         <p:spPr>
-          <a:xfrm rot="16200000" flipH="1">
-            <a:off x="3933662" y="3006328"/>
-            <a:ext cx="219316" cy="3787"/>
+          <a:xfrm rot="5400000">
+            <a:off x="3961235" y="2915310"/>
+            <a:ext cx="158930" cy="1455"/>
           </a:xfrm>
           <a:prstGeom prst="bentConnector3">
             <a:avLst>
@@ -3035,8 +3008,8 @@
         </p:nvCxnSpPr>
         <p:spPr>
           <a:xfrm rot="5400000">
-            <a:off x="5640291" y="2998751"/>
-            <a:ext cx="209514" cy="9131"/>
+            <a:off x="5659566" y="2917289"/>
+            <a:ext cx="163020" cy="1576"/>
           </a:xfrm>
           <a:prstGeom prst="bentConnector3">
             <a:avLst>
@@ -3072,7 +3045,7 @@
         </p:nvSpPr>
         <p:spPr>
           <a:xfrm>
-            <a:off x="5178109" y="3795343"/>
+            <a:off x="5178109" y="3810841"/>
             <a:ext cx="1117174" cy="230832"/>
           </a:xfrm>
           <a:prstGeom prst="rect">
@@ -3118,9 +3091,9 @@
           <p:nvPr/>
         </p:nvCxnSpPr>
         <p:spPr>
-          <a:xfrm rot="16200000" flipH="1">
-            <a:off x="5663454" y="2581567"/>
-            <a:ext cx="163187" cy="9131"/>
+          <a:xfrm rot="5400000">
+            <a:off x="5690100" y="2553365"/>
+            <a:ext cx="104134" cy="606"/>
           </a:xfrm>
           <a:prstGeom prst="bentConnector3">
             <a:avLst>
@@ -3159,8 +3132,8 @@
         </p:nvCxnSpPr>
         <p:spPr>
           <a:xfrm rot="5400000" flipH="1" flipV="1">
-            <a:off x="5404522" y="3843050"/>
-            <a:ext cx="149048" cy="515299"/>
+            <a:off x="5373525" y="3889545"/>
+            <a:ext cx="211042" cy="515299"/>
           </a:xfrm>
           <a:prstGeom prst="bentConnector3">
             <a:avLst/>
@@ -3194,8 +3167,8 @@
         </p:nvSpPr>
         <p:spPr>
           <a:xfrm>
-            <a:off x="5870861" y="991873"/>
-            <a:ext cx="1506602" cy="439782"/>
+            <a:off x="5749614" y="875638"/>
+            <a:ext cx="2105781" cy="439782"/>
           </a:xfrm>
           <a:prstGeom prst="rect">
             <a:avLst/>
@@ -3260,8 +3233,8 @@
         </p:nvCxnSpPr>
         <p:spPr>
           <a:xfrm rot="16200000" flipH="1">
-            <a:off x="5407511" y="-224779"/>
-            <a:ext cx="560737" cy="1872565"/>
+            <a:off x="5554800" y="-372067"/>
+            <a:ext cx="444502" cy="2050908"/>
           </a:xfrm>
           <a:prstGeom prst="bentConnector3">
             <a:avLst/>
@@ -3298,8 +3271,8 @@
         </p:nvCxnSpPr>
         <p:spPr>
           <a:xfrm rot="5400000">
-            <a:off x="5932010" y="1240127"/>
-            <a:ext cx="500625" cy="883680"/>
+            <a:off x="5964058" y="1093833"/>
+            <a:ext cx="616860" cy="1060035"/>
           </a:xfrm>
           <a:prstGeom prst="bentConnector3">
             <a:avLst>
@@ -3335,8 +3308,8 @@
         </p:nvSpPr>
         <p:spPr>
           <a:xfrm>
-            <a:off x="7086468" y="1903867"/>
-            <a:ext cx="1124746" cy="565698"/>
+            <a:off x="7194614" y="1929359"/>
+            <a:ext cx="1326899" cy="572242"/>
           </a:xfrm>
           <a:prstGeom prst="rect">
             <a:avLst/>
@@ -3379,7 +3352,7 @@
                 <a:latin typeface="Arial" panose="020B0604020202020204" pitchFamily="34" charset="0"/>
                 <a:cs typeface="Arial" panose="020B0604020202020204" pitchFamily="34" charset="0"/>
               </a:rPr>
-              <a:t>Inversa</a:t>
+              <a:t>inversa</a:t>
             </a:r>
             <a:endParaRPr lang="es-ES" sz="1050" dirty="0">
               <a:solidFill>
@@ -3402,8 +3375,8 @@
         </p:nvCxnSpPr>
         <p:spPr>
           <a:xfrm rot="16200000" flipH="1">
-            <a:off x="6900395" y="1155421"/>
-            <a:ext cx="472212" cy="1024679"/>
+            <a:off x="7023315" y="1094609"/>
+            <a:ext cx="613939" cy="1055559"/>
           </a:xfrm>
           <a:prstGeom prst="bentConnector3">
             <a:avLst>
@@ -3439,8 +3412,8 @@
         </p:nvSpPr>
         <p:spPr>
           <a:xfrm>
-            <a:off x="6882380" y="4161568"/>
-            <a:ext cx="944876" cy="590063"/>
+            <a:off x="6846480" y="4239060"/>
+            <a:ext cx="980776" cy="590063"/>
           </a:xfrm>
           <a:prstGeom prst="rect">
             <a:avLst/>
@@ -3474,14 +3447,14 @@
           <a:p>
             <a:pPr algn="ctr"/>
             <a:r>
-              <a:rPr lang="es-ES" sz="900" dirty="0">
+              <a:rPr lang="es-ES" sz="900" dirty="0" smtClean="0">
                 <a:solidFill>
                   <a:schemeClr val="tx1"/>
                 </a:solidFill>
                 <a:latin typeface="Arial" panose="020B0604020202020204" pitchFamily="34" charset="0"/>
                 <a:cs typeface="Arial" panose="020B0604020202020204" pitchFamily="34" charset="0"/>
               </a:rPr>
-              <a:t>El </a:t>
+              <a:t>el </a:t>
             </a:r>
             <a:r>
               <a:rPr lang="es-ES" sz="900" dirty="0" smtClean="0">
@@ -3514,7 +3487,7 @@
         </p:nvCxnSpPr>
         <p:spPr>
           <a:xfrm rot="16200000" flipH="1">
-            <a:off x="7933737" y="3532878"/>
+            <a:off x="8142960" y="3424392"/>
             <a:ext cx="152651" cy="876"/>
           </a:xfrm>
           <a:prstGeom prst="bentConnector3">
@@ -3551,8 +3524,8 @@
         </p:nvSpPr>
         <p:spPr>
           <a:xfrm>
-            <a:off x="7086132" y="3795344"/>
-            <a:ext cx="1117174" cy="230832"/>
+            <a:off x="7194614" y="3810840"/>
+            <a:ext cx="1326898" cy="230832"/>
           </a:xfrm>
           <a:prstGeom prst="rect">
             <a:avLst/>
@@ -3598,8 +3571,8 @@
         </p:nvCxnSpPr>
         <p:spPr>
           <a:xfrm rot="5400000">
-            <a:off x="7572238" y="3718740"/>
-            <a:ext cx="149085" cy="4122"/>
+            <a:off x="7785449" y="3738225"/>
+            <a:ext cx="145230" cy="1"/>
           </a:xfrm>
           <a:prstGeom prst="bentConnector3">
             <a:avLst>
@@ -3638,8 +3611,8 @@
         </p:nvCxnSpPr>
         <p:spPr>
           <a:xfrm rot="5400000" flipH="1" flipV="1">
-            <a:off x="7432072" y="3948922"/>
-            <a:ext cx="135392" cy="289901"/>
+            <a:off x="7498771" y="3879769"/>
+            <a:ext cx="197388" cy="521195"/>
           </a:xfrm>
           <a:prstGeom prst="bentConnector3">
             <a:avLst/>
@@ -3673,8 +3646,8 @@
         </p:nvSpPr>
         <p:spPr>
           <a:xfrm>
-            <a:off x="5749614" y="4162911"/>
-            <a:ext cx="1032186" cy="590063"/>
+            <a:off x="5749614" y="4248099"/>
+            <a:ext cx="945654" cy="582367"/>
           </a:xfrm>
           <a:prstGeom prst="rect">
             <a:avLst/>
@@ -3715,7 +3688,17 @@
                 <a:latin typeface="Arial" panose="020B0604020202020204" pitchFamily="34" charset="0"/>
                 <a:cs typeface="Arial" panose="020B0604020202020204" pitchFamily="34" charset="0"/>
               </a:rPr>
-              <a:t>La representación es una línea recta</a:t>
+              <a:t>la </a:t>
+            </a:r>
+            <a:r>
+              <a:rPr lang="es-ES" sz="900" dirty="0" smtClean="0">
+                <a:solidFill>
+                  <a:schemeClr val="tx1"/>
+                </a:solidFill>
+                <a:latin typeface="Arial" panose="020B0604020202020204" pitchFamily="34" charset="0"/>
+                <a:cs typeface="Arial" panose="020B0604020202020204" pitchFamily="34" charset="0"/>
+              </a:rPr>
+              <a:t>representación es una línea recta</a:t>
             </a:r>
             <a:endParaRPr lang="es-ES" sz="900" dirty="0">
               <a:solidFill>
@@ -3735,7 +3718,7 @@
         </p:nvSpPr>
         <p:spPr>
           <a:xfrm>
-            <a:off x="7086132" y="2667725"/>
+            <a:off x="7295355" y="2605733"/>
             <a:ext cx="1120084" cy="230832"/>
           </a:xfrm>
           <a:prstGeom prst="rect">
@@ -3775,8 +3758,8 @@
         </p:nvCxnSpPr>
         <p:spPr>
           <a:xfrm rot="5400000" flipH="1" flipV="1">
-            <a:off x="7548427" y="2567312"/>
-            <a:ext cx="198160" cy="2667"/>
+            <a:off x="7804664" y="2552334"/>
+            <a:ext cx="104132" cy="2667"/>
           </a:xfrm>
           <a:prstGeom prst="bentConnector3">
             <a:avLst>
@@ -3815,8 +3798,8 @@
         </p:nvCxnSpPr>
         <p:spPr>
           <a:xfrm rot="5400000" flipH="1" flipV="1">
-            <a:off x="5664047" y="3718908"/>
-            <a:ext cx="149085" cy="3786"/>
+            <a:off x="5663268" y="3733821"/>
+            <a:ext cx="150449" cy="3592"/>
           </a:xfrm>
           <a:prstGeom prst="bentConnector3">
             <a:avLst>
@@ -3855,8 +3838,8 @@
         </p:nvCxnSpPr>
         <p:spPr>
           <a:xfrm rot="16200000" flipV="1">
-            <a:off x="5932834" y="3830037"/>
-            <a:ext cx="136736" cy="529011"/>
+            <a:off x="5876356" y="3902013"/>
+            <a:ext cx="206426" cy="485745"/>
           </a:xfrm>
           <a:prstGeom prst="bentConnector3">
             <a:avLst>
@@ -3892,8 +3875,8 @@
         </p:nvSpPr>
         <p:spPr>
           <a:xfrm>
-            <a:off x="7915274" y="4170607"/>
-            <a:ext cx="990601" cy="582367"/>
+            <a:off x="7884278" y="4248099"/>
+            <a:ext cx="1073742" cy="582367"/>
           </a:xfrm>
           <a:prstGeom prst="rect">
             <a:avLst/>
@@ -3927,6 +3910,16 @@
           <a:p>
             <a:pPr algn="ctr"/>
             <a:r>
+              <a:rPr lang="es-ES" sz="900" dirty="0" smtClean="0">
+                <a:solidFill>
+                  <a:schemeClr val="tx1"/>
+                </a:solidFill>
+                <a:latin typeface="Arial" panose="020B0604020202020204" pitchFamily="34" charset="0"/>
+                <a:cs typeface="Arial" panose="020B0604020202020204" pitchFamily="34" charset="0"/>
+              </a:rPr>
+              <a:t>la </a:t>
+            </a:r>
+            <a:r>
               <a:rPr lang="es-ES" sz="900" dirty="0">
                 <a:solidFill>
                   <a:schemeClr val="tx1"/>
@@ -3934,7 +3927,7 @@
                 <a:latin typeface="Arial" panose="020B0604020202020204" pitchFamily="34" charset="0"/>
                 <a:cs typeface="Arial" panose="020B0604020202020204" pitchFamily="34" charset="0"/>
               </a:rPr>
-              <a:t>La representación es una línea </a:t>
+              <a:t>representación es una línea </a:t>
             </a:r>
             <a:r>
               <a:rPr lang="es-ES" sz="900" dirty="0" smtClean="0">
@@ -4038,8 +4031,8 @@
         </p:nvSpPr>
         <p:spPr>
           <a:xfrm>
-            <a:off x="5178109" y="1932280"/>
-            <a:ext cx="1124746" cy="572260"/>
+            <a:off x="5077032" y="1932280"/>
+            <a:ext cx="1330876" cy="569321"/>
           </a:xfrm>
           <a:prstGeom prst="rect">
             <a:avLst/>
@@ -4082,7 +4075,7 @@
                 <a:latin typeface="Arial" panose="020B0604020202020204" pitchFamily="34" charset="0"/>
                 <a:cs typeface="Arial" panose="020B0604020202020204" pitchFamily="34" charset="0"/>
               </a:rPr>
-              <a:t>Directa</a:t>
+              <a:t>directa</a:t>
             </a:r>
             <a:endParaRPr lang="es-ES" sz="1050" dirty="0">
               <a:solidFill>
@@ -4104,9 +4097,9 @@
           <p:nvPr/>
         </p:nvCxnSpPr>
         <p:spPr>
-          <a:xfrm rot="5400000" flipH="1" flipV="1">
-            <a:off x="3972955" y="3723083"/>
-            <a:ext cx="139277" cy="5242"/>
+          <a:xfrm rot="16200000" flipV="1">
+            <a:off x="3966686" y="3733678"/>
+            <a:ext cx="150448" cy="3875"/>
           </a:xfrm>
           <a:prstGeom prst="bentConnector3">
             <a:avLst>
@@ -4142,8 +4135,8 @@
         </p:nvSpPr>
         <p:spPr>
           <a:xfrm>
-            <a:off x="5077032" y="3108073"/>
-            <a:ext cx="1326899" cy="538185"/>
+            <a:off x="5077032" y="2999587"/>
+            <a:ext cx="1326512" cy="660805"/>
           </a:xfrm>
           <a:prstGeom prst="rect">
             <a:avLst/>
@@ -4186,7 +4179,17 @@
                 <a:latin typeface="Arial" panose="020B0604020202020204" pitchFamily="34" charset="0"/>
                 <a:cs typeface="Arial" panose="020B0604020202020204" pitchFamily="34" charset="0"/>
               </a:rPr>
-              <a:t>Si una magnitud crece o decrece , la otra también lo hace en la misma proporción</a:t>
+              <a:t>si </a:t>
+            </a:r>
+            <a:r>
+              <a:rPr lang="es-ES" sz="900" dirty="0" smtClean="0">
+                <a:solidFill>
+                  <a:schemeClr val="tx1"/>
+                </a:solidFill>
+                <a:latin typeface="Arial" panose="020B0604020202020204" pitchFamily="34" charset="0"/>
+                <a:cs typeface="Arial" panose="020B0604020202020204" pitchFamily="34" charset="0"/>
+              </a:rPr>
+              <a:t>una magnitud crece o decrece , la otra también lo hace en la misma proporción</a:t>
             </a:r>
             <a:endParaRPr lang="es-ES" sz="900" dirty="0">
               <a:solidFill>
@@ -4206,8 +4209,8 @@
         </p:nvSpPr>
         <p:spPr>
           <a:xfrm>
-            <a:off x="6985391" y="3108074"/>
-            <a:ext cx="1326899" cy="538185"/>
+            <a:off x="7194614" y="2999588"/>
+            <a:ext cx="1326899" cy="666022"/>
           </a:xfrm>
           <a:prstGeom prst="rect">
             <a:avLst/>
@@ -4250,7 +4253,17 @@
                 <a:latin typeface="Arial" panose="020B0604020202020204" pitchFamily="34" charset="0"/>
                 <a:cs typeface="Arial" panose="020B0604020202020204" pitchFamily="34" charset="0"/>
               </a:rPr>
-              <a:t>Si una magnitud crece la otra decrece  en la  misma  proporción, o viceversa</a:t>
+              <a:t>si </a:t>
+            </a:r>
+            <a:r>
+              <a:rPr lang="es-ES" sz="900" dirty="0" smtClean="0">
+                <a:solidFill>
+                  <a:schemeClr val="tx1"/>
+                </a:solidFill>
+                <a:latin typeface="Arial" panose="020B0604020202020204" pitchFamily="34" charset="0"/>
+                <a:cs typeface="Arial" panose="020B0604020202020204" pitchFamily="34" charset="0"/>
+              </a:rPr>
+              <a:t>una magnitud crece la otra decrece  en la  misma  proporción, o viceversa</a:t>
             </a:r>
             <a:endParaRPr lang="es-ES" sz="900" dirty="0">
               <a:solidFill>
@@ -4273,8 +4286,8 @@
         </p:nvCxnSpPr>
         <p:spPr>
           <a:xfrm rot="16200000" flipH="1">
-            <a:off x="7542749" y="3001981"/>
-            <a:ext cx="209517" cy="2667"/>
+            <a:off x="7775219" y="2916742"/>
+            <a:ext cx="163023" cy="2667"/>
           </a:xfrm>
           <a:prstGeom prst="bentConnector3">
             <a:avLst>
@@ -4313,8 +4326,8 @@
         </p:nvCxnSpPr>
         <p:spPr>
           <a:xfrm rot="16200000" flipV="1">
-            <a:off x="7955432" y="3715464"/>
-            <a:ext cx="144431" cy="765856"/>
+            <a:off x="8036393" y="3863343"/>
+            <a:ext cx="206427" cy="563086"/>
           </a:xfrm>
           <a:prstGeom prst="bentConnector3">
             <a:avLst/>
@@ -4350,13 +4363,6 @@
   <p:clrMapOvr>
     <a:masterClrMapping/>
   </p:clrMapOvr>
-  <p:timing>
-    <p:tnLst>
-      <p:par>
-        <p:cTn id="1" dur="indefinite" restart="never" nodeType="tmRoot"/>
-      </p:par>
-    </p:tnLst>
-  </p:timing>
 </p:sld>
 </file>
 

--- a/fuentes/contenidos/grado07/guion07/MapaConceptual.pptx
+++ b/fuentes/contenidos/grado07/guion07/MapaConceptual.pptx
@@ -405,7 +405,7 @@
           <a:p>
             <a:fld id="{5001C876-01F7-4317-94B9-1AE222133113}" type="datetimeFigureOut">
               <a:rPr lang="es-ES" smtClean="0"/>
-              <a:t>08/02/2016</a:t>
+              <a:t>29/02/2016</a:t>
             </a:fld>
             <a:endParaRPr lang="es-ES"/>
           </a:p>
@@ -588,23 +588,12 @@
           <a:p>
             <a:pPr algn="ctr"/>
             <a:r>
-              <a:rPr lang="es-ES" sz="1200" dirty="0" smtClean="0">
+              <a:rPr lang="es-ES" sz="1200" dirty="0">
                 <a:latin typeface="Arial" panose="020B0604020202020204" pitchFamily="34" charset="0"/>
                 <a:cs typeface="Arial" panose="020B0604020202020204" pitchFamily="34" charset="0"/>
               </a:rPr>
-              <a:t>© Editorial Planeta Colombiana S.A., </a:t>
+              <a:t>© Editorial Planeta Colombiana S.A., 2016.</a:t>
             </a:r>
-            <a:r>
-              <a:rPr lang="es-ES" sz="1200" dirty="0" smtClean="0">
-                <a:latin typeface="Arial" panose="020B0604020202020204" pitchFamily="34" charset="0"/>
-                <a:cs typeface="Arial" panose="020B0604020202020204" pitchFamily="34" charset="0"/>
-              </a:rPr>
-              <a:t>2016.</a:t>
-            </a:r>
-            <a:endParaRPr lang="es-ES" sz="1200" dirty="0">
-              <a:latin typeface="Arial" panose="020B0604020202020204" pitchFamily="34" charset="0"/>
-              <a:cs typeface="Arial" panose="020B0604020202020204" pitchFamily="34" charset="0"/>
-            </a:endParaRPr>
           </a:p>
         </p:txBody>
       </p:sp>
@@ -1002,16 +991,12 @@
           <a:p>
             <a:pPr algn="ctr"/>
             <a:r>
-              <a:rPr lang="es-ES" sz="1600" dirty="0" smtClean="0">
+              <a:rPr lang="es-ES" sz="1600" dirty="0">
                 <a:latin typeface="Arial" panose="020B0604020202020204" pitchFamily="34" charset="0"/>
                 <a:cs typeface="Arial" panose="020B0604020202020204" pitchFamily="34" charset="0"/>
               </a:rPr>
               <a:t>Magnitudes proporcionales</a:t>
             </a:r>
-            <a:endParaRPr lang="es-ES" sz="1600" dirty="0">
-              <a:latin typeface="Arial" panose="020B0604020202020204" pitchFamily="34" charset="0"/>
-              <a:cs typeface="Arial" panose="020B0604020202020204" pitchFamily="34" charset="0"/>
-            </a:endParaRPr>
           </a:p>
         </p:txBody>
       </p:sp>
@@ -1065,16 +1050,12 @@
           <a:p>
             <a:pPr algn="ctr"/>
             <a:r>
-              <a:rPr lang="es-ES" sz="1200" b="1" dirty="0" smtClean="0">
+              <a:rPr lang="es-ES" sz="1200" b="1" dirty="0">
                 <a:latin typeface="Arial" panose="020B0604020202020204" pitchFamily="34" charset="0"/>
                 <a:cs typeface="Arial" panose="020B0604020202020204" pitchFamily="34" charset="0"/>
               </a:rPr>
               <a:t>Razón</a:t>
             </a:r>
-            <a:endParaRPr lang="es-ES" sz="1200" b="1" dirty="0">
-              <a:latin typeface="Arial" panose="020B0604020202020204" pitchFamily="34" charset="0"/>
-              <a:cs typeface="Arial" panose="020B0604020202020204" pitchFamily="34" charset="0"/>
-            </a:endParaRPr>
           </a:p>
         </p:txBody>
       </p:sp>
@@ -1126,197 +1107,6 @@
           <a:xfrm>
             <a:off x="823467" y="1575225"/>
             <a:ext cx="1122431" cy="230832"/>
-          </a:xfrm>
-          <a:prstGeom prst="rect">
-            <a:avLst/>
-          </a:prstGeom>
-          <a:noFill/>
-        </p:spPr>
-        <p:txBody>
-          <a:bodyPr wrap="square" rtlCol="0">
-            <a:spAutoFit/>
-          </a:bodyPr>
-          <a:lstStyle/>
-          <a:p>
-            <a:pPr algn="ctr"/>
-            <a:r>
-              <a:rPr lang="es-ES" sz="900" dirty="0" smtClean="0">
-                <a:latin typeface="Arial" panose="020B0604020202020204" pitchFamily="34" charset="0"/>
-                <a:cs typeface="Arial" panose="020B0604020202020204" pitchFamily="34" charset="0"/>
-              </a:rPr>
-              <a:t>es</a:t>
-            </a:r>
-            <a:endParaRPr lang="es-ES" sz="900" dirty="0">
-              <a:latin typeface="Arial" panose="020B0604020202020204" pitchFamily="34" charset="0"/>
-              <a:cs typeface="Arial" panose="020B0604020202020204" pitchFamily="34" charset="0"/>
-            </a:endParaRPr>
-          </a:p>
-        </p:txBody>
-      </p:sp>
-      <p:cxnSp>
-        <p:nvCxnSpPr>
-          <p:cNvPr id="31" name="Conector angular 30"/>
-          <p:cNvCxnSpPr>
-            <a:stCxn id="5" idx="2"/>
-            <a:endCxn id="19" idx="0"/>
-          </p:cNvCxnSpPr>
-          <p:nvPr/>
-        </p:nvCxnSpPr>
-        <p:spPr>
-          <a:xfrm rot="16200000" flipH="1">
-            <a:off x="1253734" y="1444275"/>
-            <a:ext cx="259805" cy="2093"/>
-          </a:xfrm>
-          <a:prstGeom prst="bentConnector3">
-            <a:avLst>
-              <a:gd name="adj1" fmla="val 50000"/>
-            </a:avLst>
-          </a:prstGeom>
-          <a:ln w="12700">
-            <a:solidFill>
-              <a:schemeClr val="tx1"/>
-            </a:solidFill>
-          </a:ln>
-        </p:spPr>
-        <p:style>
-          <a:lnRef idx="1">
-            <a:schemeClr val="accent1"/>
-          </a:lnRef>
-          <a:fillRef idx="0">
-            <a:schemeClr val="accent1"/>
-          </a:fillRef>
-          <a:effectRef idx="0">
-            <a:schemeClr val="accent1"/>
-          </a:effectRef>
-          <a:fontRef idx="minor">
-            <a:schemeClr val="tx1"/>
-          </a:fontRef>
-        </p:style>
-      </p:cxnSp>
-      <p:sp>
-        <p:nvSpPr>
-          <p:cNvPr id="44" name="Rectángulo 43" descr="Nodo de segundo nivel" title="Nodo02"/>
-          <p:cNvSpPr/>
-          <p:nvPr/>
-        </p:nvSpPr>
-        <p:spPr>
-          <a:xfrm>
-            <a:off x="819281" y="1930675"/>
-            <a:ext cx="1124746" cy="573865"/>
-          </a:xfrm>
-          <a:prstGeom prst="rect">
-            <a:avLst/>
-          </a:prstGeom>
-          <a:solidFill>
-            <a:schemeClr val="bg2">
-              <a:lumMod val="50000"/>
-            </a:schemeClr>
-          </a:solidFill>
-          <a:ln>
-            <a:solidFill>
-              <a:schemeClr val="tx1"/>
-            </a:solidFill>
-          </a:ln>
-        </p:spPr>
-        <p:style>
-          <a:lnRef idx="2">
-            <a:schemeClr val="accent6"/>
-          </a:lnRef>
-          <a:fillRef idx="1">
-            <a:schemeClr val="lt1"/>
-          </a:fillRef>
-          <a:effectRef idx="0">
-            <a:schemeClr val="accent6"/>
-          </a:effectRef>
-          <a:fontRef idx="minor">
-            <a:schemeClr val="dk1"/>
-          </a:fontRef>
-        </p:style>
-        <p:txBody>
-          <a:bodyPr rtlCol="0" anchor="ctr"/>
-          <a:lstStyle/>
-          <a:p>
-            <a:pPr algn="ctr"/>
-            <a:r>
-              <a:rPr lang="es-ES" sz="1050" dirty="0" smtClean="0">
-                <a:solidFill>
-                  <a:schemeClr val="bg1"/>
-                </a:solidFill>
-                <a:latin typeface="Arial" panose="020B0604020202020204" pitchFamily="34" charset="0"/>
-                <a:cs typeface="Arial" panose="020B0604020202020204" pitchFamily="34" charset="0"/>
-              </a:rPr>
-              <a:t>cociente </a:t>
-            </a:r>
-            <a:r>
-              <a:rPr lang="es-ES" sz="1050" dirty="0" smtClean="0">
-                <a:solidFill>
-                  <a:schemeClr val="bg1"/>
-                </a:solidFill>
-                <a:latin typeface="Arial" panose="020B0604020202020204" pitchFamily="34" charset="0"/>
-                <a:cs typeface="Arial" panose="020B0604020202020204" pitchFamily="34" charset="0"/>
-              </a:rPr>
-              <a:t>indicado de dos cantidades</a:t>
-            </a:r>
-            <a:endParaRPr lang="es-ES" sz="1050" dirty="0">
-              <a:solidFill>
-                <a:schemeClr val="bg1"/>
-              </a:solidFill>
-              <a:latin typeface="Arial" panose="020B0604020202020204" pitchFamily="34" charset="0"/>
-              <a:cs typeface="Arial" panose="020B0604020202020204" pitchFamily="34" charset="0"/>
-            </a:endParaRPr>
-          </a:p>
-        </p:txBody>
-      </p:sp>
-      <p:cxnSp>
-        <p:nvCxnSpPr>
-          <p:cNvPr id="45" name="Conector angular 44"/>
-          <p:cNvCxnSpPr>
-            <a:stCxn id="19" idx="2"/>
-            <a:endCxn id="44" idx="0"/>
-          </p:cNvCxnSpPr>
-          <p:nvPr/>
-        </p:nvCxnSpPr>
-        <p:spPr>
-          <a:xfrm rot="5400000">
-            <a:off x="1320860" y="1866852"/>
-            <a:ext cx="124618" cy="3029"/>
-          </a:xfrm>
-          <a:prstGeom prst="bentConnector3">
-            <a:avLst>
-              <a:gd name="adj1" fmla="val 50000"/>
-            </a:avLst>
-          </a:prstGeom>
-          <a:ln w="12700">
-            <a:solidFill>
-              <a:schemeClr val="tx1"/>
-            </a:solidFill>
-          </a:ln>
-        </p:spPr>
-        <p:style>
-          <a:lnRef idx="1">
-            <a:schemeClr val="accent1"/>
-          </a:lnRef>
-          <a:fillRef idx="0">
-            <a:schemeClr val="accent1"/>
-          </a:fillRef>
-          <a:effectRef idx="0">
-            <a:schemeClr val="accent1"/>
-          </a:effectRef>
-          <a:fontRef idx="minor">
-            <a:schemeClr val="tx1"/>
-          </a:fontRef>
-        </p:style>
-      </p:cxnSp>
-      <p:sp>
-        <p:nvSpPr>
-          <p:cNvPr id="67" name="CuadroTexto 66" descr="Conector entre nodos" title="conector"/>
-          <p:cNvSpPr txBox="1"/>
-          <p:nvPr/>
-        </p:nvSpPr>
-        <p:spPr>
-          <a:xfrm>
-            <a:off x="821910" y="2605738"/>
-            <a:ext cx="1117174" cy="230836"/>
           </a:xfrm>
           <a:prstGeom prst="rect">
             <a:avLst/>
@@ -1335,35 +1125,24 @@
                 <a:latin typeface="Arial" panose="020B0604020202020204" pitchFamily="34" charset="0"/>
                 <a:cs typeface="Arial" panose="020B0604020202020204" pitchFamily="34" charset="0"/>
               </a:rPr>
-              <a:t>s</a:t>
+              <a:t>es</a:t>
             </a:r>
-            <a:r>
-              <a:rPr lang="es-ES" sz="900" dirty="0" smtClean="0">
-                <a:latin typeface="Arial" panose="020B0604020202020204" pitchFamily="34" charset="0"/>
-                <a:cs typeface="Arial" panose="020B0604020202020204" pitchFamily="34" charset="0"/>
-              </a:rPr>
-              <a:t>e escribe</a:t>
-            </a:r>
-            <a:endParaRPr lang="es-ES" sz="900" dirty="0">
-              <a:latin typeface="Arial" panose="020B0604020202020204" pitchFamily="34" charset="0"/>
-              <a:cs typeface="Arial" panose="020B0604020202020204" pitchFamily="34" charset="0"/>
-            </a:endParaRPr>
           </a:p>
         </p:txBody>
       </p:sp>
       <p:cxnSp>
         <p:nvCxnSpPr>
-          <p:cNvPr id="68" name="Conector angular 67"/>
+          <p:cNvPr id="31" name="Conector angular 30"/>
           <p:cNvCxnSpPr>
-            <a:stCxn id="44" idx="2"/>
-            <a:endCxn id="67" idx="0"/>
+            <a:stCxn id="5" idx="2"/>
+            <a:endCxn id="19" idx="0"/>
           </p:cNvCxnSpPr>
           <p:nvPr/>
         </p:nvCxnSpPr>
         <p:spPr>
-          <a:xfrm rot="5400000">
-            <a:off x="1330477" y="2554561"/>
-            <a:ext cx="101198" cy="1157"/>
+          <a:xfrm rot="16200000" flipH="1">
+            <a:off x="1253734" y="1444275"/>
+            <a:ext cx="259805" cy="2093"/>
           </a:xfrm>
           <a:prstGeom prst="bentConnector3">
             <a:avLst>
@@ -1393,21 +1172,21 @@
       </p:cxnSp>
       <p:sp>
         <p:nvSpPr>
-          <p:cNvPr id="72" name="Rectángulo 71" descr="Nodo de tercer nivel" title="Nodo03"/>
+          <p:cNvPr id="44" name="Rectángulo 43" descr="Nodo de segundo nivel" title="Nodo02"/>
           <p:cNvSpPr/>
           <p:nvPr/>
         </p:nvSpPr>
         <p:spPr>
           <a:xfrm>
-            <a:off x="819281" y="2995502"/>
-            <a:ext cx="1119803" cy="664890"/>
+            <a:off x="819281" y="1930675"/>
+            <a:ext cx="1124746" cy="573865"/>
           </a:xfrm>
           <a:prstGeom prst="rect">
             <a:avLst/>
           </a:prstGeom>
           <a:solidFill>
             <a:schemeClr val="bg2">
-              <a:lumMod val="90000"/>
+              <a:lumMod val="50000"/>
             </a:schemeClr>
           </a:solidFill>
           <a:ln>
@@ -1436,110 +1215,68 @@
           <a:p>
             <a:pPr algn="ctr"/>
             <a:r>
-              <a:rPr lang="es-ES" sz="900" dirty="0" smtClean="0">
+              <a:rPr lang="es-ES" sz="1050" dirty="0">
                 <a:solidFill>
-                  <a:schemeClr val="tx1"/>
+                  <a:schemeClr val="bg1"/>
                 </a:solidFill>
                 <a:latin typeface="Arial" panose="020B0604020202020204" pitchFamily="34" charset="0"/>
                 <a:cs typeface="Arial" panose="020B0604020202020204" pitchFamily="34" charset="0"/>
               </a:rPr>
-              <a:t>m:n </a:t>
+              <a:t>cociente indicado de dos cantidades</a:t>
             </a:r>
-          </a:p>
-          <a:p>
-            <a:pPr algn="ctr"/>
-            <a:r>
-              <a:rPr lang="es-ES" sz="900" dirty="0" smtClean="0">
-                <a:solidFill>
-                  <a:schemeClr val="tx1"/>
-                </a:solidFill>
-                <a:latin typeface="Arial" panose="020B0604020202020204" pitchFamily="34" charset="0"/>
-                <a:cs typeface="Arial" panose="020B0604020202020204" pitchFamily="34" charset="0"/>
-              </a:rPr>
-              <a:t>m/n</a:t>
-            </a:r>
-            <a:endParaRPr lang="es-ES" sz="900" dirty="0">
-              <a:solidFill>
-                <a:schemeClr val="tx1"/>
-              </a:solidFill>
-              <a:latin typeface="Arial" panose="020B0604020202020204" pitchFamily="34" charset="0"/>
-              <a:cs typeface="Arial" panose="020B0604020202020204" pitchFamily="34" charset="0"/>
-            </a:endParaRPr>
           </a:p>
         </p:txBody>
       </p:sp>
+      <p:cxnSp>
+        <p:nvCxnSpPr>
+          <p:cNvPr id="45" name="Conector angular 44"/>
+          <p:cNvCxnSpPr>
+            <a:stCxn id="19" idx="2"/>
+            <a:endCxn id="44" idx="0"/>
+          </p:cNvCxnSpPr>
+          <p:nvPr/>
+        </p:nvCxnSpPr>
+        <p:spPr>
+          <a:xfrm rot="5400000">
+            <a:off x="1320860" y="1866852"/>
+            <a:ext cx="124618" cy="3029"/>
+          </a:xfrm>
+          <a:prstGeom prst="bentConnector3">
+            <a:avLst>
+              <a:gd name="adj1" fmla="val 50000"/>
+            </a:avLst>
+          </a:prstGeom>
+          <a:ln w="12700">
+            <a:solidFill>
+              <a:schemeClr val="tx1"/>
+            </a:solidFill>
+          </a:ln>
+        </p:spPr>
+        <p:style>
+          <a:lnRef idx="1">
+            <a:schemeClr val="accent1"/>
+          </a:lnRef>
+          <a:fillRef idx="0">
+            <a:schemeClr val="accent1"/>
+          </a:fillRef>
+          <a:effectRef idx="0">
+            <a:schemeClr val="accent1"/>
+          </a:effectRef>
+          <a:fontRef idx="minor">
+            <a:schemeClr val="tx1"/>
+          </a:fontRef>
+        </p:style>
+      </p:cxnSp>
       <p:sp>
         <p:nvSpPr>
-          <p:cNvPr id="73" name="Rectángulo 72" descr="Nodo de cuarto nivel&#10;" title="Nodo04"/>
-          <p:cNvSpPr/>
+          <p:cNvPr id="67" name="CuadroTexto 66" descr="Conector entre nodos" title="conector"/>
+          <p:cNvSpPr txBox="1"/>
           <p:nvPr/>
         </p:nvSpPr>
         <p:spPr>
           <a:xfrm>
-            <a:off x="819281" y="4261362"/>
-            <a:ext cx="1119803" cy="567759"/>
-          </a:xfrm>
-          <a:prstGeom prst="rect">
-            <a:avLst/>
-          </a:prstGeom>
-          <a:solidFill>
-            <a:schemeClr val="bg1"/>
-          </a:solidFill>
-          <a:ln>
-            <a:solidFill>
-              <a:schemeClr val="tx1"/>
-            </a:solidFill>
-          </a:ln>
-        </p:spPr>
-        <p:style>
-          <a:lnRef idx="2">
-            <a:schemeClr val="accent6"/>
-          </a:lnRef>
-          <a:fillRef idx="1">
-            <a:schemeClr val="lt1"/>
-          </a:fillRef>
-          <a:effectRef idx="0">
-            <a:schemeClr val="accent6"/>
-          </a:effectRef>
-          <a:fontRef idx="minor">
-            <a:schemeClr val="dk1"/>
-          </a:fontRef>
-        </p:style>
-        <p:txBody>
-          <a:bodyPr rtlCol="0" anchor="ctr"/>
-          <a:lstStyle/>
-          <a:p>
-            <a:pPr algn="ctr"/>
-            <a:r>
-              <a:rPr lang="es-ES" sz="900" dirty="0" smtClean="0">
-                <a:solidFill>
-                  <a:schemeClr val="tx1"/>
-                </a:solidFill>
-                <a:latin typeface="Arial" panose="020B0604020202020204" pitchFamily="34" charset="0"/>
-                <a:cs typeface="Arial" panose="020B0604020202020204" pitchFamily="34" charset="0"/>
-              </a:rPr>
-              <a:t>m es a n</a:t>
-            </a:r>
-            <a:endParaRPr lang="es-ES" sz="900" dirty="0">
-              <a:solidFill>
-                <a:schemeClr val="tx1"/>
-              </a:solidFill>
-              <a:latin typeface="Arial" panose="020B0604020202020204" pitchFamily="34" charset="0"/>
-              <a:cs typeface="Arial" panose="020B0604020202020204" pitchFamily="34" charset="0"/>
-            </a:endParaRPr>
-          </a:p>
-        </p:txBody>
-      </p:sp>
-      <p:sp>
-        <p:nvSpPr>
-          <p:cNvPr id="75" name="CuadroTexto 74" descr="Conector entre nodos" title="conector"/>
-          <p:cNvSpPr txBox="1"/>
-          <p:nvPr/>
-        </p:nvSpPr>
-        <p:spPr>
-          <a:xfrm>
-            <a:off x="825417" y="3795548"/>
-            <a:ext cx="1117174" cy="230832"/>
+            <a:off x="821910" y="2605738"/>
+            <a:ext cx="1117174" cy="230836"/>
           </a:xfrm>
           <a:prstGeom prst="rect">
             <a:avLst/>
@@ -1558,35 +1295,24 @@
                 <a:latin typeface="Arial" panose="020B0604020202020204" pitchFamily="34" charset="0"/>
                 <a:cs typeface="Arial" panose="020B0604020202020204" pitchFamily="34" charset="0"/>
               </a:rPr>
-              <a:t>s</a:t>
+              <a:t>se escribe</a:t>
             </a:r>
-            <a:r>
-              <a:rPr lang="es-ES" sz="900" dirty="0" smtClean="0">
-                <a:latin typeface="Arial" panose="020B0604020202020204" pitchFamily="34" charset="0"/>
-                <a:cs typeface="Arial" panose="020B0604020202020204" pitchFamily="34" charset="0"/>
-              </a:rPr>
-              <a:t>e lee</a:t>
-            </a:r>
-            <a:endParaRPr lang="es-ES" sz="900" dirty="0">
-              <a:latin typeface="Arial" panose="020B0604020202020204" pitchFamily="34" charset="0"/>
-              <a:cs typeface="Arial" panose="020B0604020202020204" pitchFamily="34" charset="0"/>
-            </a:endParaRPr>
           </a:p>
         </p:txBody>
       </p:sp>
       <p:cxnSp>
         <p:nvCxnSpPr>
-          <p:cNvPr id="76" name="Conector angular 75"/>
+          <p:cNvPr id="68" name="Conector angular 67"/>
           <p:cNvCxnSpPr>
-            <a:stCxn id="67" idx="2"/>
-            <a:endCxn id="72" idx="0"/>
+            <a:stCxn id="44" idx="2"/>
+            <a:endCxn id="67" idx="0"/>
           </p:cNvCxnSpPr>
           <p:nvPr/>
         </p:nvCxnSpPr>
         <p:spPr>
           <a:xfrm rot="5400000">
-            <a:off x="1300376" y="2915381"/>
-            <a:ext cx="158928" cy="1314"/>
+            <a:off x="1330477" y="2554561"/>
+            <a:ext cx="101198" cy="1157"/>
           </a:xfrm>
           <a:prstGeom prst="bentConnector3">
             <a:avLst>
@@ -1614,395 +1340,16 @@
           </a:fontRef>
         </p:style>
       </p:cxnSp>
-      <p:cxnSp>
-        <p:nvCxnSpPr>
-          <p:cNvPr id="79" name="Conector angular 78"/>
-          <p:cNvCxnSpPr>
-            <a:stCxn id="72" idx="2"/>
-            <a:endCxn id="75" idx="0"/>
-          </p:cNvCxnSpPr>
-          <p:nvPr/>
-        </p:nvCxnSpPr>
-        <p:spPr>
-          <a:xfrm rot="16200000" flipH="1">
-            <a:off x="1314015" y="3725559"/>
-            <a:ext cx="135156" cy="4821"/>
-          </a:xfrm>
-          <a:prstGeom prst="bentConnector3">
-            <a:avLst>
-              <a:gd name="adj1" fmla="val 50000"/>
-            </a:avLst>
-          </a:prstGeom>
-          <a:ln w="12700">
-            <a:solidFill>
-              <a:schemeClr val="tx1"/>
-            </a:solidFill>
-          </a:ln>
-        </p:spPr>
-        <p:style>
-          <a:lnRef idx="1">
-            <a:schemeClr val="accent1"/>
-          </a:lnRef>
-          <a:fillRef idx="0">
-            <a:schemeClr val="accent1"/>
-          </a:fillRef>
-          <a:effectRef idx="0">
-            <a:schemeClr val="accent1"/>
-          </a:effectRef>
-          <a:fontRef idx="minor">
-            <a:schemeClr val="tx1"/>
-          </a:fontRef>
-        </p:style>
-      </p:cxnSp>
-      <p:cxnSp>
-        <p:nvCxnSpPr>
-          <p:cNvPr id="82" name="Conector angular 81"/>
-          <p:cNvCxnSpPr>
-            <a:stCxn id="75" idx="2"/>
-            <a:endCxn id="73" idx="0"/>
-          </p:cNvCxnSpPr>
-          <p:nvPr/>
-        </p:nvCxnSpPr>
-        <p:spPr>
-          <a:xfrm rot="5400000">
-            <a:off x="1264103" y="4141461"/>
-            <a:ext cx="234982" cy="4821"/>
-          </a:xfrm>
-          <a:prstGeom prst="bentConnector3">
-            <a:avLst>
-              <a:gd name="adj1" fmla="val 50000"/>
-            </a:avLst>
-          </a:prstGeom>
-          <a:ln w="12700">
-            <a:solidFill>
-              <a:schemeClr val="tx1"/>
-            </a:solidFill>
-          </a:ln>
-        </p:spPr>
-        <p:style>
-          <a:lnRef idx="1">
-            <a:schemeClr val="accent1"/>
-          </a:lnRef>
-          <a:fillRef idx="0">
-            <a:schemeClr val="accent1"/>
-          </a:fillRef>
-          <a:effectRef idx="0">
-            <a:schemeClr val="accent1"/>
-          </a:effectRef>
-          <a:fontRef idx="minor">
-            <a:schemeClr val="tx1"/>
-          </a:fontRef>
-        </p:style>
-      </p:cxnSp>
       <p:sp>
         <p:nvSpPr>
-          <p:cNvPr id="216" name="Rectángulo 215" descr="Nodo de primer nivel" title="Nodo01"/>
+          <p:cNvPr id="72" name="Rectángulo 71" descr="Nodo de tercer nivel" title="Nodo03"/>
           <p:cNvSpPr/>
           <p:nvPr/>
         </p:nvSpPr>
         <p:spPr>
           <a:xfrm>
-            <a:off x="2799375" y="886577"/>
-            <a:ext cx="1248347" cy="439782"/>
-          </a:xfrm>
-          <a:prstGeom prst="rect">
-            <a:avLst/>
-          </a:prstGeom>
-          <a:solidFill>
-            <a:schemeClr val="bg1"/>
-          </a:solidFill>
-          <a:ln>
-            <a:solidFill>
-              <a:schemeClr val="tx1"/>
-            </a:solidFill>
-          </a:ln>
-          <a:effectLst>
-            <a:outerShdw blurRad="50800" dist="38100" dir="2700000" algn="tl" rotWithShape="0">
-              <a:prstClr val="black">
-                <a:alpha val="40000"/>
-              </a:prstClr>
-            </a:outerShdw>
-          </a:effectLst>
-        </p:spPr>
-        <p:style>
-          <a:lnRef idx="2">
-            <a:schemeClr val="accent6"/>
-          </a:lnRef>
-          <a:fillRef idx="1">
-            <a:schemeClr val="lt1"/>
-          </a:fillRef>
-          <a:effectRef idx="0">
-            <a:schemeClr val="accent6"/>
-          </a:effectRef>
-          <a:fontRef idx="minor">
-            <a:schemeClr val="dk1"/>
-          </a:fontRef>
-        </p:style>
-        <p:txBody>
-          <a:bodyPr rtlCol="0" anchor="ctr"/>
-          <a:lstStyle/>
-          <a:p>
-            <a:pPr algn="ctr"/>
-            <a:r>
-              <a:rPr lang="es-ES" sz="1200" b="1" dirty="0" smtClean="0">
-                <a:latin typeface="Arial" panose="020B0604020202020204" pitchFamily="34" charset="0"/>
-                <a:cs typeface="Arial" panose="020B0604020202020204" pitchFamily="34" charset="0"/>
-              </a:rPr>
-              <a:t>Proporción</a:t>
-            </a:r>
-            <a:endParaRPr lang="es-ES" sz="1200" b="1" dirty="0">
-              <a:latin typeface="Arial" panose="020B0604020202020204" pitchFamily="34" charset="0"/>
-              <a:cs typeface="Arial" panose="020B0604020202020204" pitchFamily="34" charset="0"/>
-            </a:endParaRPr>
-          </a:p>
-        </p:txBody>
-      </p:sp>
-      <p:cxnSp>
-        <p:nvCxnSpPr>
-          <p:cNvPr id="217" name="Conector angular 216"/>
-          <p:cNvCxnSpPr>
-            <a:stCxn id="4" idx="2"/>
-            <a:endCxn id="216" idx="0"/>
-          </p:cNvCxnSpPr>
-          <p:nvPr/>
-        </p:nvCxnSpPr>
-        <p:spPr>
-          <a:xfrm rot="5400000">
-            <a:off x="3859853" y="-5168"/>
-            <a:ext cx="455441" cy="1328048"/>
-          </a:xfrm>
-          <a:prstGeom prst="bentConnector3">
-            <a:avLst/>
-          </a:prstGeom>
-          <a:ln w="12700">
-            <a:solidFill>
-              <a:schemeClr val="tx1"/>
-            </a:solidFill>
-          </a:ln>
-        </p:spPr>
-        <p:style>
-          <a:lnRef idx="1">
-            <a:schemeClr val="accent1"/>
-          </a:lnRef>
-          <a:fillRef idx="0">
-            <a:schemeClr val="accent1"/>
-          </a:fillRef>
-          <a:effectRef idx="0">
-            <a:schemeClr val="accent1"/>
-          </a:effectRef>
-          <a:fontRef idx="minor">
-            <a:schemeClr val="tx1"/>
-          </a:fontRef>
-        </p:style>
-      </p:cxnSp>
-      <p:sp>
-        <p:nvSpPr>
-          <p:cNvPr id="220" name="Rectángulo 219" descr="Nodo de segundo nivel" title="Nodo02"/>
-          <p:cNvSpPr/>
-          <p:nvPr/>
-        </p:nvSpPr>
-        <p:spPr>
-          <a:xfrm>
-            <a:off x="2237003" y="1930675"/>
-            <a:ext cx="1124746" cy="570928"/>
-          </a:xfrm>
-          <a:prstGeom prst="rect">
-            <a:avLst/>
-          </a:prstGeom>
-          <a:solidFill>
-            <a:schemeClr val="bg2">
-              <a:lumMod val="50000"/>
-            </a:schemeClr>
-          </a:solidFill>
-          <a:ln>
-            <a:solidFill>
-              <a:schemeClr val="tx1"/>
-            </a:solidFill>
-          </a:ln>
-        </p:spPr>
-        <p:style>
-          <a:lnRef idx="2">
-            <a:schemeClr val="accent6"/>
-          </a:lnRef>
-          <a:fillRef idx="1">
-            <a:schemeClr val="lt1"/>
-          </a:fillRef>
-          <a:effectRef idx="0">
-            <a:schemeClr val="accent6"/>
-          </a:effectRef>
-          <a:fontRef idx="minor">
-            <a:schemeClr val="dk1"/>
-          </a:fontRef>
-        </p:style>
-        <p:txBody>
-          <a:bodyPr rtlCol="0" anchor="ctr"/>
-          <a:lstStyle/>
-          <a:p>
-            <a:pPr algn="ctr"/>
-            <a:r>
-              <a:rPr lang="es-ES" sz="1050" dirty="0" smtClean="0">
-                <a:solidFill>
-                  <a:schemeClr val="bg1"/>
-                </a:solidFill>
-                <a:latin typeface="Arial" panose="020B0604020202020204" pitchFamily="34" charset="0"/>
-                <a:cs typeface="Arial" panose="020B0604020202020204" pitchFamily="34" charset="0"/>
-              </a:rPr>
-              <a:t>igualdad  </a:t>
-            </a:r>
-            <a:r>
-              <a:rPr lang="es-ES" sz="1050" dirty="0" smtClean="0">
-                <a:solidFill>
-                  <a:schemeClr val="bg1"/>
-                </a:solidFill>
-                <a:latin typeface="Arial" panose="020B0604020202020204" pitchFamily="34" charset="0"/>
-                <a:cs typeface="Arial" panose="020B0604020202020204" pitchFamily="34" charset="0"/>
-              </a:rPr>
-              <a:t>entre dos razones</a:t>
-            </a:r>
-            <a:endParaRPr lang="es-ES" sz="1050" dirty="0">
-              <a:solidFill>
-                <a:schemeClr val="bg1"/>
-              </a:solidFill>
-              <a:latin typeface="Arial" panose="020B0604020202020204" pitchFamily="34" charset="0"/>
-              <a:cs typeface="Arial" panose="020B0604020202020204" pitchFamily="34" charset="0"/>
-            </a:endParaRPr>
-          </a:p>
-        </p:txBody>
-      </p:sp>
-      <p:cxnSp>
-        <p:nvCxnSpPr>
-          <p:cNvPr id="221" name="Conector angular 220"/>
-          <p:cNvCxnSpPr>
-            <a:stCxn id="216" idx="2"/>
-            <a:endCxn id="174" idx="0"/>
-          </p:cNvCxnSpPr>
-          <p:nvPr/>
-        </p:nvCxnSpPr>
-        <p:spPr>
-          <a:xfrm rot="5400000">
-            <a:off x="2978913" y="1150609"/>
-            <a:ext cx="268886" cy="620387"/>
-          </a:xfrm>
-          <a:prstGeom prst="bentConnector3">
-            <a:avLst>
-              <a:gd name="adj1" fmla="val 50000"/>
-            </a:avLst>
-          </a:prstGeom>
-          <a:ln w="12700">
-            <a:solidFill>
-              <a:schemeClr val="tx1"/>
-            </a:solidFill>
-          </a:ln>
-        </p:spPr>
-        <p:style>
-          <a:lnRef idx="1">
-            <a:schemeClr val="accent1"/>
-          </a:lnRef>
-          <a:fillRef idx="0">
-            <a:schemeClr val="accent1"/>
-          </a:fillRef>
-          <a:effectRef idx="0">
-            <a:schemeClr val="accent1"/>
-          </a:effectRef>
-          <a:fontRef idx="minor">
-            <a:schemeClr val="tx1"/>
-          </a:fontRef>
-        </p:style>
-      </p:cxnSp>
-      <p:sp>
-        <p:nvSpPr>
-          <p:cNvPr id="222" name="CuadroTexto 221" descr="Conector entre nodos" title="conector"/>
-          <p:cNvSpPr txBox="1"/>
-          <p:nvPr/>
-        </p:nvSpPr>
-        <p:spPr>
-          <a:xfrm>
-            <a:off x="2244575" y="2615991"/>
-            <a:ext cx="1117174" cy="230836"/>
-          </a:xfrm>
-          <a:prstGeom prst="rect">
-            <a:avLst/>
-          </a:prstGeom>
-          <a:noFill/>
-        </p:spPr>
-        <p:txBody>
-          <a:bodyPr wrap="square" rtlCol="0">
-            <a:spAutoFit/>
-          </a:bodyPr>
-          <a:lstStyle/>
-          <a:p>
-            <a:pPr algn="ctr"/>
-            <a:r>
-              <a:rPr lang="es-ES" sz="900" dirty="0">
-                <a:latin typeface="Arial" panose="020B0604020202020204" pitchFamily="34" charset="0"/>
-                <a:cs typeface="Arial" panose="020B0604020202020204" pitchFamily="34" charset="0"/>
-              </a:rPr>
-              <a:t>s</a:t>
-            </a:r>
-            <a:r>
-              <a:rPr lang="es-ES" sz="900" dirty="0" smtClean="0">
-                <a:latin typeface="Arial" panose="020B0604020202020204" pitchFamily="34" charset="0"/>
-                <a:cs typeface="Arial" panose="020B0604020202020204" pitchFamily="34" charset="0"/>
-              </a:rPr>
-              <a:t>e escribe</a:t>
-            </a:r>
-            <a:endParaRPr lang="es-ES" sz="900" dirty="0">
-              <a:latin typeface="Arial" panose="020B0604020202020204" pitchFamily="34" charset="0"/>
-              <a:cs typeface="Arial" panose="020B0604020202020204" pitchFamily="34" charset="0"/>
-            </a:endParaRPr>
-          </a:p>
-        </p:txBody>
-      </p:sp>
-      <p:cxnSp>
-        <p:nvCxnSpPr>
-          <p:cNvPr id="223" name="Conector angular 222"/>
-          <p:cNvCxnSpPr>
-            <a:stCxn id="174" idx="2"/>
-            <a:endCxn id="220" idx="0"/>
-          </p:cNvCxnSpPr>
-          <p:nvPr/>
-        </p:nvCxnSpPr>
-        <p:spPr>
-          <a:xfrm rot="5400000">
-            <a:off x="2748970" y="1876483"/>
-            <a:ext cx="104598" cy="3786"/>
-          </a:xfrm>
-          <a:prstGeom prst="bentConnector3">
-            <a:avLst>
-              <a:gd name="adj1" fmla="val 50000"/>
-            </a:avLst>
-          </a:prstGeom>
-          <a:ln w="12700">
-            <a:solidFill>
-              <a:schemeClr val="tx1"/>
-            </a:solidFill>
-          </a:ln>
-        </p:spPr>
-        <p:style>
-          <a:lnRef idx="1">
-            <a:schemeClr val="accent1"/>
-          </a:lnRef>
-          <a:fillRef idx="0">
-            <a:schemeClr val="accent1"/>
-          </a:fillRef>
-          <a:effectRef idx="0">
-            <a:schemeClr val="accent1"/>
-          </a:effectRef>
-          <a:fontRef idx="minor">
-            <a:schemeClr val="tx1"/>
-          </a:fontRef>
-        </p:style>
-      </p:cxnSp>
-      <p:sp>
-        <p:nvSpPr>
-          <p:cNvPr id="256" name="Rectángulo 255" descr="Nodo de tercer nivel" title="Nodo03"/>
-          <p:cNvSpPr/>
-          <p:nvPr/>
-        </p:nvSpPr>
-        <p:spPr>
-          <a:xfrm>
-            <a:off x="2244152" y="2995502"/>
-            <a:ext cx="1114687" cy="664890"/>
+            <a:off x="819281" y="2995502"/>
+            <a:ext cx="1119803" cy="664890"/>
           </a:xfrm>
           <a:prstGeom prst="rect">
             <a:avLst/>
@@ -2045,93 +1392,11 @@
                 <a:latin typeface="Arial" panose="020B0604020202020204" pitchFamily="34" charset="0"/>
                 <a:cs typeface="Arial" panose="020B0604020202020204" pitchFamily="34" charset="0"/>
               </a:rPr>
-              <a:t>m</a:t>
-            </a:r>
-            <a:r>
-              <a:rPr lang="es-ES" sz="900" dirty="0" smtClean="0">
-                <a:solidFill>
-                  <a:schemeClr val="tx1"/>
-                </a:solidFill>
-                <a:latin typeface="Arial" panose="020B0604020202020204" pitchFamily="34" charset="0"/>
-                <a:cs typeface="Arial" panose="020B0604020202020204" pitchFamily="34" charset="0"/>
-              </a:rPr>
-              <a:t>:n=a:b</a:t>
+              <a:t>m:n </a:t>
             </a:r>
           </a:p>
           <a:p>
             <a:pPr algn="ctr"/>
-            <a:r>
-              <a:rPr lang="es-ES" sz="900" dirty="0" smtClean="0">
-                <a:solidFill>
-                  <a:schemeClr val="tx1"/>
-                </a:solidFill>
-                <a:latin typeface="Arial" panose="020B0604020202020204" pitchFamily="34" charset="0"/>
-                <a:cs typeface="Arial" panose="020B0604020202020204" pitchFamily="34" charset="0"/>
-              </a:rPr>
-              <a:t>m/n = a/b</a:t>
-            </a:r>
-            <a:endParaRPr lang="es-ES" sz="900" dirty="0">
-              <a:solidFill>
-                <a:schemeClr val="tx1"/>
-              </a:solidFill>
-              <a:latin typeface="Arial" panose="020B0604020202020204" pitchFamily="34" charset="0"/>
-              <a:cs typeface="Arial" panose="020B0604020202020204" pitchFamily="34" charset="0"/>
-            </a:endParaRPr>
-          </a:p>
-        </p:txBody>
-      </p:sp>
-      <p:sp>
-        <p:nvSpPr>
-          <p:cNvPr id="258" name="Rectángulo 257" descr="Nodo de quinto nivel" title="Nodo05"/>
-          <p:cNvSpPr/>
-          <p:nvPr/>
-        </p:nvSpPr>
-        <p:spPr>
-          <a:xfrm>
-            <a:off x="2239912" y="4261363"/>
-            <a:ext cx="1118927" cy="567759"/>
-          </a:xfrm>
-          <a:prstGeom prst="rect">
-            <a:avLst/>
-          </a:prstGeom>
-          <a:solidFill>
-            <a:schemeClr val="bg1"/>
-          </a:solidFill>
-          <a:ln>
-            <a:solidFill>
-              <a:schemeClr val="tx1"/>
-            </a:solidFill>
-          </a:ln>
-        </p:spPr>
-        <p:style>
-          <a:lnRef idx="2">
-            <a:schemeClr val="accent6"/>
-          </a:lnRef>
-          <a:fillRef idx="1">
-            <a:schemeClr val="lt1"/>
-          </a:fillRef>
-          <a:effectRef idx="0">
-            <a:schemeClr val="accent6"/>
-          </a:effectRef>
-          <a:fontRef idx="minor">
-            <a:schemeClr val="dk1"/>
-          </a:fontRef>
-        </p:style>
-        <p:txBody>
-          <a:bodyPr rtlCol="0" anchor="ctr"/>
-          <a:lstStyle/>
-          <a:p>
-            <a:pPr algn="ctr"/>
-            <a:r>
-              <a:rPr lang="es-ES" sz="900" dirty="0" smtClean="0">
-                <a:solidFill>
-                  <a:schemeClr val="tx1"/>
-                </a:solidFill>
-                <a:latin typeface="Arial" panose="020B0604020202020204" pitchFamily="34" charset="0"/>
-                <a:cs typeface="Arial" panose="020B0604020202020204" pitchFamily="34" charset="0"/>
-              </a:rPr>
-              <a:t>m </a:t>
-            </a:r>
             <a:r>
               <a:rPr lang="es-ES" sz="900" dirty="0">
                 <a:solidFill>
@@ -2140,90 +1405,75 @@
                 <a:latin typeface="Arial" panose="020B0604020202020204" pitchFamily="34" charset="0"/>
                 <a:cs typeface="Arial" panose="020B0604020202020204" pitchFamily="34" charset="0"/>
               </a:rPr>
-              <a:t>es a </a:t>
+              <a:t>m/n</a:t>
             </a:r>
+          </a:p>
+        </p:txBody>
+      </p:sp>
+      <p:sp>
+        <p:nvSpPr>
+          <p:cNvPr id="73" name="Rectángulo 72" descr="Nodo de cuarto nivel&#10;" title="Nodo04"/>
+          <p:cNvSpPr/>
+          <p:nvPr/>
+        </p:nvSpPr>
+        <p:spPr>
+          <a:xfrm>
+            <a:off x="819281" y="4261362"/>
+            <a:ext cx="1119803" cy="567759"/>
+          </a:xfrm>
+          <a:prstGeom prst="rect">
+            <a:avLst/>
+          </a:prstGeom>
+          <a:solidFill>
+            <a:schemeClr val="bg1"/>
+          </a:solidFill>
+          <a:ln>
+            <a:solidFill>
+              <a:schemeClr val="tx1"/>
+            </a:solidFill>
+          </a:ln>
+        </p:spPr>
+        <p:style>
+          <a:lnRef idx="2">
+            <a:schemeClr val="accent6"/>
+          </a:lnRef>
+          <a:fillRef idx="1">
+            <a:schemeClr val="lt1"/>
+          </a:fillRef>
+          <a:effectRef idx="0">
+            <a:schemeClr val="accent6"/>
+          </a:effectRef>
+          <a:fontRef idx="minor">
+            <a:schemeClr val="dk1"/>
+          </a:fontRef>
+        </p:style>
+        <p:txBody>
+          <a:bodyPr rtlCol="0" anchor="ctr"/>
+          <a:lstStyle/>
+          <a:p>
+            <a:pPr algn="ctr"/>
             <a:r>
-              <a:rPr lang="es-ES" sz="900" dirty="0" smtClean="0">
+              <a:rPr lang="es-ES" sz="900" dirty="0">
                 <a:solidFill>
                   <a:schemeClr val="tx1"/>
                 </a:solidFill>
                 <a:latin typeface="Arial" panose="020B0604020202020204" pitchFamily="34" charset="0"/>
                 <a:cs typeface="Arial" panose="020B0604020202020204" pitchFamily="34" charset="0"/>
               </a:rPr>
-              <a:t>n, como,</a:t>
+              <a:t>m es a n</a:t>
             </a:r>
-          </a:p>
-          <a:p>
-            <a:pPr algn="ctr"/>
-            <a:r>
-              <a:rPr lang="es-ES" sz="900" dirty="0" smtClean="0">
-                <a:solidFill>
-                  <a:schemeClr val="tx1"/>
-                </a:solidFill>
-                <a:latin typeface="Arial" panose="020B0604020202020204" pitchFamily="34" charset="0"/>
-                <a:cs typeface="Arial" panose="020B0604020202020204" pitchFamily="34" charset="0"/>
-              </a:rPr>
-              <a:t> a es a b</a:t>
-            </a:r>
-            <a:endParaRPr lang="es-ES" sz="900" dirty="0">
-              <a:solidFill>
-                <a:schemeClr val="tx1"/>
-              </a:solidFill>
-              <a:latin typeface="Arial" panose="020B0604020202020204" pitchFamily="34" charset="0"/>
-              <a:cs typeface="Arial" panose="020B0604020202020204" pitchFamily="34" charset="0"/>
-            </a:endParaRPr>
           </a:p>
         </p:txBody>
       </p:sp>
-      <p:cxnSp>
-        <p:nvCxnSpPr>
-          <p:cNvPr id="260" name="Conector angular 259"/>
-          <p:cNvCxnSpPr>
-            <a:stCxn id="222" idx="2"/>
-            <a:endCxn id="256" idx="0"/>
-          </p:cNvCxnSpPr>
-          <p:nvPr/>
-        </p:nvCxnSpPr>
-        <p:spPr>
-          <a:xfrm rot="5400000">
-            <a:off x="2727992" y="2920331"/>
-            <a:ext cx="148675" cy="1666"/>
-          </a:xfrm>
-          <a:prstGeom prst="bentConnector3">
-            <a:avLst>
-              <a:gd name="adj1" fmla="val 50000"/>
-            </a:avLst>
-          </a:prstGeom>
-          <a:ln w="12700">
-            <a:solidFill>
-              <a:schemeClr val="tx1"/>
-            </a:solidFill>
-          </a:ln>
-        </p:spPr>
-        <p:style>
-          <a:lnRef idx="1">
-            <a:schemeClr val="accent1"/>
-          </a:lnRef>
-          <a:fillRef idx="0">
-            <a:schemeClr val="accent1"/>
-          </a:fillRef>
-          <a:effectRef idx="0">
-            <a:schemeClr val="accent1"/>
-          </a:effectRef>
-          <a:fontRef idx="minor">
-            <a:schemeClr val="tx1"/>
-          </a:fontRef>
-        </p:style>
-      </p:cxnSp>
       <p:sp>
         <p:nvSpPr>
-          <p:cNvPr id="263" name="CuadroTexto 262" descr="Conector entre nodos" title="conector"/>
+          <p:cNvPr id="75" name="CuadroTexto 74" descr="Conector entre nodos" title="conector"/>
           <p:cNvSpPr txBox="1"/>
           <p:nvPr/>
         </p:nvSpPr>
         <p:spPr>
           <a:xfrm>
-            <a:off x="2245889" y="3801369"/>
+            <a:off x="825417" y="3795548"/>
             <a:ext cx="1117174" cy="230832"/>
           </a:xfrm>
           <a:prstGeom prst="rect">
@@ -2243,19 +1493,606 @@
                 <a:latin typeface="Arial" panose="020B0604020202020204" pitchFamily="34" charset="0"/>
                 <a:cs typeface="Arial" panose="020B0604020202020204" pitchFamily="34" charset="0"/>
               </a:rPr>
-              <a:t>s</a:t>
+              <a:t>se lee</a:t>
             </a:r>
+          </a:p>
+        </p:txBody>
+      </p:sp>
+      <p:cxnSp>
+        <p:nvCxnSpPr>
+          <p:cNvPr id="76" name="Conector angular 75"/>
+          <p:cNvCxnSpPr>
+            <a:stCxn id="67" idx="2"/>
+            <a:endCxn id="72" idx="0"/>
+          </p:cNvCxnSpPr>
+          <p:nvPr/>
+        </p:nvCxnSpPr>
+        <p:spPr>
+          <a:xfrm rot="5400000">
+            <a:off x="1300376" y="2915381"/>
+            <a:ext cx="158928" cy="1314"/>
+          </a:xfrm>
+          <a:prstGeom prst="bentConnector3">
+            <a:avLst>
+              <a:gd name="adj1" fmla="val 50000"/>
+            </a:avLst>
+          </a:prstGeom>
+          <a:ln w="12700">
+            <a:solidFill>
+              <a:schemeClr val="tx1"/>
+            </a:solidFill>
+          </a:ln>
+        </p:spPr>
+        <p:style>
+          <a:lnRef idx="1">
+            <a:schemeClr val="accent1"/>
+          </a:lnRef>
+          <a:fillRef idx="0">
+            <a:schemeClr val="accent1"/>
+          </a:fillRef>
+          <a:effectRef idx="0">
+            <a:schemeClr val="accent1"/>
+          </a:effectRef>
+          <a:fontRef idx="minor">
+            <a:schemeClr val="tx1"/>
+          </a:fontRef>
+        </p:style>
+      </p:cxnSp>
+      <p:cxnSp>
+        <p:nvCxnSpPr>
+          <p:cNvPr id="79" name="Conector angular 78"/>
+          <p:cNvCxnSpPr>
+            <a:stCxn id="72" idx="2"/>
+            <a:endCxn id="75" idx="0"/>
+          </p:cNvCxnSpPr>
+          <p:nvPr/>
+        </p:nvCxnSpPr>
+        <p:spPr>
+          <a:xfrm rot="16200000" flipH="1">
+            <a:off x="1314015" y="3725559"/>
+            <a:ext cx="135156" cy="4821"/>
+          </a:xfrm>
+          <a:prstGeom prst="bentConnector3">
+            <a:avLst>
+              <a:gd name="adj1" fmla="val 50000"/>
+            </a:avLst>
+          </a:prstGeom>
+          <a:ln w="12700">
+            <a:solidFill>
+              <a:schemeClr val="tx1"/>
+            </a:solidFill>
+          </a:ln>
+        </p:spPr>
+        <p:style>
+          <a:lnRef idx="1">
+            <a:schemeClr val="accent1"/>
+          </a:lnRef>
+          <a:fillRef idx="0">
+            <a:schemeClr val="accent1"/>
+          </a:fillRef>
+          <a:effectRef idx="0">
+            <a:schemeClr val="accent1"/>
+          </a:effectRef>
+          <a:fontRef idx="minor">
+            <a:schemeClr val="tx1"/>
+          </a:fontRef>
+        </p:style>
+      </p:cxnSp>
+      <p:cxnSp>
+        <p:nvCxnSpPr>
+          <p:cNvPr id="82" name="Conector angular 81"/>
+          <p:cNvCxnSpPr>
+            <a:stCxn id="75" idx="2"/>
+            <a:endCxn id="73" idx="0"/>
+          </p:cNvCxnSpPr>
+          <p:nvPr/>
+        </p:nvCxnSpPr>
+        <p:spPr>
+          <a:xfrm rot="5400000">
+            <a:off x="1264103" y="4141461"/>
+            <a:ext cx="234982" cy="4821"/>
+          </a:xfrm>
+          <a:prstGeom prst="bentConnector3">
+            <a:avLst>
+              <a:gd name="adj1" fmla="val 50000"/>
+            </a:avLst>
+          </a:prstGeom>
+          <a:ln w="12700">
+            <a:solidFill>
+              <a:schemeClr val="tx1"/>
+            </a:solidFill>
+          </a:ln>
+        </p:spPr>
+        <p:style>
+          <a:lnRef idx="1">
+            <a:schemeClr val="accent1"/>
+          </a:lnRef>
+          <a:fillRef idx="0">
+            <a:schemeClr val="accent1"/>
+          </a:fillRef>
+          <a:effectRef idx="0">
+            <a:schemeClr val="accent1"/>
+          </a:effectRef>
+          <a:fontRef idx="minor">
+            <a:schemeClr val="tx1"/>
+          </a:fontRef>
+        </p:style>
+      </p:cxnSp>
+      <p:sp>
+        <p:nvSpPr>
+          <p:cNvPr id="216" name="Rectángulo 215" descr="Nodo de primer nivel" title="Nodo01"/>
+          <p:cNvSpPr/>
+          <p:nvPr/>
+        </p:nvSpPr>
+        <p:spPr>
+          <a:xfrm>
+            <a:off x="2799375" y="886577"/>
+            <a:ext cx="1248347" cy="439782"/>
+          </a:xfrm>
+          <a:prstGeom prst="rect">
+            <a:avLst/>
+          </a:prstGeom>
+          <a:solidFill>
+            <a:schemeClr val="bg1"/>
+          </a:solidFill>
+          <a:ln>
+            <a:solidFill>
+              <a:schemeClr val="tx1"/>
+            </a:solidFill>
+          </a:ln>
+          <a:effectLst>
+            <a:outerShdw blurRad="50800" dist="38100" dir="2700000" algn="tl" rotWithShape="0">
+              <a:prstClr val="black">
+                <a:alpha val="40000"/>
+              </a:prstClr>
+            </a:outerShdw>
+          </a:effectLst>
+        </p:spPr>
+        <p:style>
+          <a:lnRef idx="2">
+            <a:schemeClr val="accent6"/>
+          </a:lnRef>
+          <a:fillRef idx="1">
+            <a:schemeClr val="lt1"/>
+          </a:fillRef>
+          <a:effectRef idx="0">
+            <a:schemeClr val="accent6"/>
+          </a:effectRef>
+          <a:fontRef idx="minor">
+            <a:schemeClr val="dk1"/>
+          </a:fontRef>
+        </p:style>
+        <p:txBody>
+          <a:bodyPr rtlCol="0" anchor="ctr"/>
+          <a:lstStyle/>
+          <a:p>
+            <a:pPr algn="ctr"/>
             <a:r>
-              <a:rPr lang="es-ES" sz="900" dirty="0" smtClean="0">
+              <a:rPr lang="es-ES" sz="1200" b="1" dirty="0">
                 <a:latin typeface="Arial" panose="020B0604020202020204" pitchFamily="34" charset="0"/>
                 <a:cs typeface="Arial" panose="020B0604020202020204" pitchFamily="34" charset="0"/>
               </a:rPr>
-              <a:t>e lee</a:t>
+              <a:t>Proporción</a:t>
             </a:r>
-            <a:endParaRPr lang="es-ES" sz="900" dirty="0">
-              <a:latin typeface="Arial" panose="020B0604020202020204" pitchFamily="34" charset="0"/>
-              <a:cs typeface="Arial" panose="020B0604020202020204" pitchFamily="34" charset="0"/>
-            </a:endParaRPr>
+          </a:p>
+        </p:txBody>
+      </p:sp>
+      <p:cxnSp>
+        <p:nvCxnSpPr>
+          <p:cNvPr id="217" name="Conector angular 216"/>
+          <p:cNvCxnSpPr>
+            <a:stCxn id="4" idx="2"/>
+            <a:endCxn id="216" idx="0"/>
+          </p:cNvCxnSpPr>
+          <p:nvPr/>
+        </p:nvCxnSpPr>
+        <p:spPr>
+          <a:xfrm rot="5400000">
+            <a:off x="3859853" y="-5168"/>
+            <a:ext cx="455441" cy="1328048"/>
+          </a:xfrm>
+          <a:prstGeom prst="bentConnector3">
+            <a:avLst/>
+          </a:prstGeom>
+          <a:ln w="12700">
+            <a:solidFill>
+              <a:schemeClr val="tx1"/>
+            </a:solidFill>
+          </a:ln>
+        </p:spPr>
+        <p:style>
+          <a:lnRef idx="1">
+            <a:schemeClr val="accent1"/>
+          </a:lnRef>
+          <a:fillRef idx="0">
+            <a:schemeClr val="accent1"/>
+          </a:fillRef>
+          <a:effectRef idx="0">
+            <a:schemeClr val="accent1"/>
+          </a:effectRef>
+          <a:fontRef idx="minor">
+            <a:schemeClr val="tx1"/>
+          </a:fontRef>
+        </p:style>
+      </p:cxnSp>
+      <p:sp>
+        <p:nvSpPr>
+          <p:cNvPr id="220" name="Rectángulo 219" descr="Nodo de segundo nivel" title="Nodo02"/>
+          <p:cNvSpPr/>
+          <p:nvPr/>
+        </p:nvSpPr>
+        <p:spPr>
+          <a:xfrm>
+            <a:off x="2237003" y="1930675"/>
+            <a:ext cx="1124746" cy="570928"/>
+          </a:xfrm>
+          <a:prstGeom prst="rect">
+            <a:avLst/>
+          </a:prstGeom>
+          <a:solidFill>
+            <a:schemeClr val="bg2">
+              <a:lumMod val="50000"/>
+            </a:schemeClr>
+          </a:solidFill>
+          <a:ln>
+            <a:solidFill>
+              <a:schemeClr val="tx1"/>
+            </a:solidFill>
+          </a:ln>
+        </p:spPr>
+        <p:style>
+          <a:lnRef idx="2">
+            <a:schemeClr val="accent6"/>
+          </a:lnRef>
+          <a:fillRef idx="1">
+            <a:schemeClr val="lt1"/>
+          </a:fillRef>
+          <a:effectRef idx="0">
+            <a:schemeClr val="accent6"/>
+          </a:effectRef>
+          <a:fontRef idx="minor">
+            <a:schemeClr val="dk1"/>
+          </a:fontRef>
+        </p:style>
+        <p:txBody>
+          <a:bodyPr rtlCol="0" anchor="ctr"/>
+          <a:lstStyle/>
+          <a:p>
+            <a:pPr algn="ctr"/>
+            <a:r>
+              <a:rPr lang="es-ES" sz="1050" dirty="0">
+                <a:solidFill>
+                  <a:schemeClr val="bg1"/>
+                </a:solidFill>
+                <a:latin typeface="Arial" panose="020B0604020202020204" pitchFamily="34" charset="0"/>
+                <a:cs typeface="Arial" panose="020B0604020202020204" pitchFamily="34" charset="0"/>
+              </a:rPr>
+              <a:t>igualdad  entre dos razones</a:t>
+            </a:r>
+          </a:p>
+        </p:txBody>
+      </p:sp>
+      <p:cxnSp>
+        <p:nvCxnSpPr>
+          <p:cNvPr id="221" name="Conector angular 220"/>
+          <p:cNvCxnSpPr>
+            <a:stCxn id="216" idx="2"/>
+            <a:endCxn id="174" idx="0"/>
+          </p:cNvCxnSpPr>
+          <p:nvPr/>
+        </p:nvCxnSpPr>
+        <p:spPr>
+          <a:xfrm rot="5400000">
+            <a:off x="2978913" y="1150609"/>
+            <a:ext cx="268886" cy="620387"/>
+          </a:xfrm>
+          <a:prstGeom prst="bentConnector3">
+            <a:avLst>
+              <a:gd name="adj1" fmla="val 50000"/>
+            </a:avLst>
+          </a:prstGeom>
+          <a:ln w="12700">
+            <a:solidFill>
+              <a:schemeClr val="tx1"/>
+            </a:solidFill>
+          </a:ln>
+        </p:spPr>
+        <p:style>
+          <a:lnRef idx="1">
+            <a:schemeClr val="accent1"/>
+          </a:lnRef>
+          <a:fillRef idx="0">
+            <a:schemeClr val="accent1"/>
+          </a:fillRef>
+          <a:effectRef idx="0">
+            <a:schemeClr val="accent1"/>
+          </a:effectRef>
+          <a:fontRef idx="minor">
+            <a:schemeClr val="tx1"/>
+          </a:fontRef>
+        </p:style>
+      </p:cxnSp>
+      <p:sp>
+        <p:nvSpPr>
+          <p:cNvPr id="222" name="CuadroTexto 221" descr="Conector entre nodos" title="conector"/>
+          <p:cNvSpPr txBox="1"/>
+          <p:nvPr/>
+        </p:nvSpPr>
+        <p:spPr>
+          <a:xfrm>
+            <a:off x="2244575" y="2615991"/>
+            <a:ext cx="1117174" cy="230836"/>
+          </a:xfrm>
+          <a:prstGeom prst="rect">
+            <a:avLst/>
+          </a:prstGeom>
+          <a:noFill/>
+        </p:spPr>
+        <p:txBody>
+          <a:bodyPr wrap="square" rtlCol="0">
+            <a:spAutoFit/>
+          </a:bodyPr>
+          <a:lstStyle/>
+          <a:p>
+            <a:pPr algn="ctr"/>
+            <a:r>
+              <a:rPr lang="es-ES" sz="900" dirty="0">
+                <a:latin typeface="Arial" panose="020B0604020202020204" pitchFamily="34" charset="0"/>
+                <a:cs typeface="Arial" panose="020B0604020202020204" pitchFamily="34" charset="0"/>
+              </a:rPr>
+              <a:t>se escribe</a:t>
+            </a:r>
+          </a:p>
+        </p:txBody>
+      </p:sp>
+      <p:cxnSp>
+        <p:nvCxnSpPr>
+          <p:cNvPr id="223" name="Conector angular 222"/>
+          <p:cNvCxnSpPr>
+            <a:stCxn id="174" idx="2"/>
+            <a:endCxn id="220" idx="0"/>
+          </p:cNvCxnSpPr>
+          <p:nvPr/>
+        </p:nvCxnSpPr>
+        <p:spPr>
+          <a:xfrm rot="5400000">
+            <a:off x="2748970" y="1876483"/>
+            <a:ext cx="104598" cy="3786"/>
+          </a:xfrm>
+          <a:prstGeom prst="bentConnector3">
+            <a:avLst>
+              <a:gd name="adj1" fmla="val 50000"/>
+            </a:avLst>
+          </a:prstGeom>
+          <a:ln w="12700">
+            <a:solidFill>
+              <a:schemeClr val="tx1"/>
+            </a:solidFill>
+          </a:ln>
+        </p:spPr>
+        <p:style>
+          <a:lnRef idx="1">
+            <a:schemeClr val="accent1"/>
+          </a:lnRef>
+          <a:fillRef idx="0">
+            <a:schemeClr val="accent1"/>
+          </a:fillRef>
+          <a:effectRef idx="0">
+            <a:schemeClr val="accent1"/>
+          </a:effectRef>
+          <a:fontRef idx="minor">
+            <a:schemeClr val="tx1"/>
+          </a:fontRef>
+        </p:style>
+      </p:cxnSp>
+      <p:sp>
+        <p:nvSpPr>
+          <p:cNvPr id="256" name="Rectángulo 255" descr="Nodo de tercer nivel" title="Nodo03"/>
+          <p:cNvSpPr/>
+          <p:nvPr/>
+        </p:nvSpPr>
+        <p:spPr>
+          <a:xfrm>
+            <a:off x="2244152" y="2995502"/>
+            <a:ext cx="1114687" cy="664890"/>
+          </a:xfrm>
+          <a:prstGeom prst="rect">
+            <a:avLst/>
+          </a:prstGeom>
+          <a:solidFill>
+            <a:schemeClr val="bg2">
+              <a:lumMod val="90000"/>
+            </a:schemeClr>
+          </a:solidFill>
+          <a:ln>
+            <a:solidFill>
+              <a:schemeClr val="tx1"/>
+            </a:solidFill>
+          </a:ln>
+        </p:spPr>
+        <p:style>
+          <a:lnRef idx="2">
+            <a:schemeClr val="accent6"/>
+          </a:lnRef>
+          <a:fillRef idx="1">
+            <a:schemeClr val="lt1"/>
+          </a:fillRef>
+          <a:effectRef idx="0">
+            <a:schemeClr val="accent6"/>
+          </a:effectRef>
+          <a:fontRef idx="minor">
+            <a:schemeClr val="dk1"/>
+          </a:fontRef>
+        </p:style>
+        <p:txBody>
+          <a:bodyPr rtlCol="0" anchor="ctr"/>
+          <a:lstStyle/>
+          <a:p>
+            <a:pPr algn="ctr"/>
+            <a:r>
+              <a:rPr lang="es-ES" sz="900" dirty="0">
+                <a:solidFill>
+                  <a:schemeClr val="tx1"/>
+                </a:solidFill>
+                <a:latin typeface="Arial" panose="020B0604020202020204" pitchFamily="34" charset="0"/>
+                <a:cs typeface="Arial" panose="020B0604020202020204" pitchFamily="34" charset="0"/>
+              </a:rPr>
+              <a:t>m:n=a:b</a:t>
+            </a:r>
+          </a:p>
+          <a:p>
+            <a:pPr algn="ctr"/>
+            <a:r>
+              <a:rPr lang="es-ES" sz="900" dirty="0">
+                <a:solidFill>
+                  <a:schemeClr val="tx1"/>
+                </a:solidFill>
+                <a:latin typeface="Arial" panose="020B0604020202020204" pitchFamily="34" charset="0"/>
+                <a:cs typeface="Arial" panose="020B0604020202020204" pitchFamily="34" charset="0"/>
+              </a:rPr>
+              <a:t>m/n = a/b</a:t>
+            </a:r>
+          </a:p>
+        </p:txBody>
+      </p:sp>
+      <p:sp>
+        <p:nvSpPr>
+          <p:cNvPr id="258" name="Rectángulo 257" descr="Nodo de quinto nivel" title="Nodo05"/>
+          <p:cNvSpPr/>
+          <p:nvPr/>
+        </p:nvSpPr>
+        <p:spPr>
+          <a:xfrm>
+            <a:off x="2239912" y="4261363"/>
+            <a:ext cx="1118927" cy="567759"/>
+          </a:xfrm>
+          <a:prstGeom prst="rect">
+            <a:avLst/>
+          </a:prstGeom>
+          <a:solidFill>
+            <a:schemeClr val="bg1"/>
+          </a:solidFill>
+          <a:ln>
+            <a:solidFill>
+              <a:schemeClr val="tx1"/>
+            </a:solidFill>
+          </a:ln>
+        </p:spPr>
+        <p:style>
+          <a:lnRef idx="2">
+            <a:schemeClr val="accent6"/>
+          </a:lnRef>
+          <a:fillRef idx="1">
+            <a:schemeClr val="lt1"/>
+          </a:fillRef>
+          <a:effectRef idx="0">
+            <a:schemeClr val="accent6"/>
+          </a:effectRef>
+          <a:fontRef idx="minor">
+            <a:schemeClr val="dk1"/>
+          </a:fontRef>
+        </p:style>
+        <p:txBody>
+          <a:bodyPr rtlCol="0" anchor="ctr"/>
+          <a:lstStyle/>
+          <a:p>
+            <a:pPr algn="ctr"/>
+            <a:r>
+              <a:rPr lang="es-ES" sz="900" dirty="0">
+                <a:solidFill>
+                  <a:schemeClr val="tx1"/>
+                </a:solidFill>
+                <a:latin typeface="Arial" panose="020B0604020202020204" pitchFamily="34" charset="0"/>
+                <a:cs typeface="Arial" panose="020B0604020202020204" pitchFamily="34" charset="0"/>
+              </a:rPr>
+              <a:t>m es a n, como,</a:t>
+            </a:r>
+          </a:p>
+          <a:p>
+            <a:pPr algn="ctr"/>
+            <a:r>
+              <a:rPr lang="es-ES" sz="900" dirty="0">
+                <a:solidFill>
+                  <a:schemeClr val="tx1"/>
+                </a:solidFill>
+                <a:latin typeface="Arial" panose="020B0604020202020204" pitchFamily="34" charset="0"/>
+                <a:cs typeface="Arial" panose="020B0604020202020204" pitchFamily="34" charset="0"/>
+              </a:rPr>
+              <a:t> a es a b</a:t>
+            </a:r>
+          </a:p>
+        </p:txBody>
+      </p:sp>
+      <p:cxnSp>
+        <p:nvCxnSpPr>
+          <p:cNvPr id="260" name="Conector angular 259"/>
+          <p:cNvCxnSpPr>
+            <a:stCxn id="222" idx="2"/>
+            <a:endCxn id="256" idx="0"/>
+          </p:cNvCxnSpPr>
+          <p:nvPr/>
+        </p:nvCxnSpPr>
+        <p:spPr>
+          <a:xfrm rot="5400000">
+            <a:off x="2727992" y="2920331"/>
+            <a:ext cx="148675" cy="1666"/>
+          </a:xfrm>
+          <a:prstGeom prst="bentConnector3">
+            <a:avLst>
+              <a:gd name="adj1" fmla="val 50000"/>
+            </a:avLst>
+          </a:prstGeom>
+          <a:ln w="12700">
+            <a:solidFill>
+              <a:schemeClr val="tx1"/>
+            </a:solidFill>
+          </a:ln>
+        </p:spPr>
+        <p:style>
+          <a:lnRef idx="1">
+            <a:schemeClr val="accent1"/>
+          </a:lnRef>
+          <a:fillRef idx="0">
+            <a:schemeClr val="accent1"/>
+          </a:fillRef>
+          <a:effectRef idx="0">
+            <a:schemeClr val="accent1"/>
+          </a:effectRef>
+          <a:fontRef idx="minor">
+            <a:schemeClr val="tx1"/>
+          </a:fontRef>
+        </p:style>
+      </p:cxnSp>
+      <p:sp>
+        <p:nvSpPr>
+          <p:cNvPr id="263" name="CuadroTexto 262" descr="Conector entre nodos" title="conector"/>
+          <p:cNvSpPr txBox="1"/>
+          <p:nvPr/>
+        </p:nvSpPr>
+        <p:spPr>
+          <a:xfrm>
+            <a:off x="2245889" y="3801369"/>
+            <a:ext cx="1117174" cy="230832"/>
+          </a:xfrm>
+          <a:prstGeom prst="rect">
+            <a:avLst/>
+          </a:prstGeom>
+          <a:noFill/>
+        </p:spPr>
+        <p:txBody>
+          <a:bodyPr wrap="square" rtlCol="0">
+            <a:spAutoFit/>
+          </a:bodyPr>
+          <a:lstStyle/>
+          <a:p>
+            <a:pPr algn="ctr"/>
+            <a:r>
+              <a:rPr lang="es-ES" sz="900" dirty="0">
+                <a:latin typeface="Arial" panose="020B0604020202020204" pitchFamily="34" charset="0"/>
+                <a:cs typeface="Arial" panose="020B0604020202020204" pitchFamily="34" charset="0"/>
+              </a:rPr>
+              <a:t>se lee</a:t>
+            </a:r>
           </a:p>
         </p:txBody>
       </p:sp>
@@ -2380,7 +2217,7 @@
           <a:p>
             <a:pPr algn="ctr"/>
             <a:r>
-              <a:rPr lang="es-ES" sz="900" dirty="0" err="1" smtClean="0">
+              <a:rPr lang="es-ES" sz="900" dirty="0" err="1">
                 <a:solidFill>
                   <a:schemeClr val="tx1"/>
                 </a:solidFill>
@@ -2390,7 +2227,7 @@
               <a:t>m.b</a:t>
             </a:r>
             <a:r>
-              <a:rPr lang="es-ES" sz="900" dirty="0" smtClean="0">
+              <a:rPr lang="es-ES" sz="900" dirty="0">
                 <a:solidFill>
                   <a:schemeClr val="tx1"/>
                 </a:solidFill>
@@ -2400,7 +2237,7 @@
               <a:t> = </a:t>
             </a:r>
             <a:r>
-              <a:rPr lang="es-ES" sz="900" dirty="0" err="1" smtClean="0">
+              <a:rPr lang="es-ES" sz="900" dirty="0" err="1">
                 <a:solidFill>
                   <a:schemeClr val="tx1"/>
                 </a:solidFill>
@@ -2447,19 +2284,8 @@
                 <a:latin typeface="Arial" panose="020B0604020202020204" pitchFamily="34" charset="0"/>
                 <a:cs typeface="Arial" panose="020B0604020202020204" pitchFamily="34" charset="0"/>
               </a:rPr>
-              <a:t>s</a:t>
+              <a:t>se simboliza</a:t>
             </a:r>
-            <a:r>
-              <a:rPr lang="es-ES" sz="900" dirty="0" smtClean="0">
-                <a:latin typeface="Arial" panose="020B0604020202020204" pitchFamily="34" charset="0"/>
-                <a:cs typeface="Arial" panose="020B0604020202020204" pitchFamily="34" charset="0"/>
-              </a:rPr>
-              <a:t>e simboliza</a:t>
-            </a:r>
-            <a:endParaRPr lang="es-ES" sz="900" dirty="0">
-              <a:latin typeface="Arial" panose="020B0604020202020204" pitchFamily="34" charset="0"/>
-              <a:cs typeface="Arial" panose="020B0604020202020204" pitchFamily="34" charset="0"/>
-            </a:endParaRPr>
           </a:p>
         </p:txBody>
       </p:sp>
@@ -2628,32 +2454,15 @@
           <a:p>
             <a:pPr algn="ctr"/>
             <a:r>
-              <a:rPr lang="es-ES" sz="1050" dirty="0" smtClean="0">
+              <a:rPr lang="es-ES" sz="1050" dirty="0">
                 <a:solidFill>
                   <a:schemeClr val="bg1"/>
                 </a:solidFill>
                 <a:latin typeface="Arial" panose="020B0604020202020204" pitchFamily="34" charset="0"/>
                 <a:cs typeface="Arial" panose="020B0604020202020204" pitchFamily="34" charset="0"/>
               </a:rPr>
-              <a:t>propiedad </a:t>
+              <a:t>propiedad fundamental</a:t>
             </a:r>
-            <a:r>
-              <a:rPr lang="es-ES" sz="1050" dirty="0" smtClean="0">
-                <a:solidFill>
-                  <a:schemeClr val="bg1"/>
-                </a:solidFill>
-                <a:latin typeface="Arial" panose="020B0604020202020204" pitchFamily="34" charset="0"/>
-                <a:cs typeface="Arial" panose="020B0604020202020204" pitchFamily="34" charset="0"/>
-              </a:rPr>
-              <a:t>fundamental</a:t>
-            </a:r>
-            <a:endParaRPr lang="es-ES" sz="1050" dirty="0">
-              <a:solidFill>
-                <a:schemeClr val="bg1"/>
-              </a:solidFill>
-              <a:latin typeface="Arial" panose="020B0604020202020204" pitchFamily="34" charset="0"/>
-              <a:cs typeface="Arial" panose="020B0604020202020204" pitchFamily="34" charset="0"/>
-            </a:endParaRPr>
           </a:p>
         </p:txBody>
       </p:sp>
@@ -2707,346 +2516,6 @@
           <a:xfrm>
             <a:off x="3482840" y="2605736"/>
             <a:ext cx="1117174" cy="230836"/>
-          </a:xfrm>
-          <a:prstGeom prst="rect">
-            <a:avLst/>
-          </a:prstGeom>
-          <a:noFill/>
-        </p:spPr>
-        <p:txBody>
-          <a:bodyPr wrap="square" rtlCol="0">
-            <a:spAutoFit/>
-          </a:bodyPr>
-          <a:lstStyle/>
-          <a:p>
-            <a:pPr algn="ctr"/>
-            <a:r>
-              <a:rPr lang="es-ES" sz="900" dirty="0" smtClean="0">
-                <a:latin typeface="Arial" panose="020B0604020202020204" pitchFamily="34" charset="0"/>
-                <a:cs typeface="Arial" panose="020B0604020202020204" pitchFamily="34" charset="0"/>
-              </a:rPr>
-              <a:t>dice</a:t>
-            </a:r>
-            <a:endParaRPr lang="es-ES" sz="900" dirty="0">
-              <a:latin typeface="Arial" panose="020B0604020202020204" pitchFamily="34" charset="0"/>
-              <a:cs typeface="Arial" panose="020B0604020202020204" pitchFamily="34" charset="0"/>
-            </a:endParaRPr>
-          </a:p>
-        </p:txBody>
-      </p:sp>
-      <p:cxnSp>
-        <p:nvCxnSpPr>
-          <p:cNvPr id="283" name="Conector angular 282"/>
-          <p:cNvCxnSpPr>
-            <a:stCxn id="188" idx="2"/>
-            <a:endCxn id="280" idx="0"/>
-          </p:cNvCxnSpPr>
-          <p:nvPr/>
-        </p:nvCxnSpPr>
-        <p:spPr>
-          <a:xfrm rot="16200000" flipH="1">
-            <a:off x="3996752" y="1880896"/>
-            <a:ext cx="93137" cy="3786"/>
-          </a:xfrm>
-          <a:prstGeom prst="bentConnector3">
-            <a:avLst>
-              <a:gd name="adj1" fmla="val 50000"/>
-            </a:avLst>
-          </a:prstGeom>
-          <a:ln w="12700">
-            <a:solidFill>
-              <a:schemeClr val="tx1"/>
-            </a:solidFill>
-          </a:ln>
-        </p:spPr>
-        <p:style>
-          <a:lnRef idx="1">
-            <a:schemeClr val="accent1"/>
-          </a:lnRef>
-          <a:fillRef idx="0">
-            <a:schemeClr val="accent1"/>
-          </a:fillRef>
-          <a:effectRef idx="0">
-            <a:schemeClr val="accent1"/>
-          </a:effectRef>
-          <a:fontRef idx="minor">
-            <a:schemeClr val="tx1"/>
-          </a:fontRef>
-        </p:style>
-      </p:cxnSp>
-      <p:sp>
-        <p:nvSpPr>
-          <p:cNvPr id="284" name="Rectángulo 283" descr="Nodo de tercer nivel" title="Nodo03"/>
-          <p:cNvSpPr/>
-          <p:nvPr/>
-        </p:nvSpPr>
-        <p:spPr>
-          <a:xfrm>
-            <a:off x="3479929" y="2995502"/>
-            <a:ext cx="1120085" cy="664890"/>
-          </a:xfrm>
-          <a:prstGeom prst="rect">
-            <a:avLst/>
-          </a:prstGeom>
-          <a:solidFill>
-            <a:schemeClr val="bg2">
-              <a:lumMod val="90000"/>
-            </a:schemeClr>
-          </a:solidFill>
-          <a:ln>
-            <a:solidFill>
-              <a:schemeClr val="tx1"/>
-            </a:solidFill>
-          </a:ln>
-        </p:spPr>
-        <p:style>
-          <a:lnRef idx="2">
-            <a:schemeClr val="accent6"/>
-          </a:lnRef>
-          <a:fillRef idx="1">
-            <a:schemeClr val="lt1"/>
-          </a:fillRef>
-          <a:effectRef idx="0">
-            <a:schemeClr val="accent6"/>
-          </a:effectRef>
-          <a:fontRef idx="minor">
-            <a:schemeClr val="dk1"/>
-          </a:fontRef>
-        </p:style>
-        <p:txBody>
-          <a:bodyPr rtlCol="0" anchor="ctr"/>
-          <a:lstStyle/>
-          <a:p>
-            <a:pPr algn="ctr"/>
-            <a:r>
-              <a:rPr lang="es-ES" sz="900" dirty="0" smtClean="0">
-                <a:solidFill>
-                  <a:schemeClr val="tx1"/>
-                </a:solidFill>
-                <a:latin typeface="Arial" panose="020B0604020202020204" pitchFamily="34" charset="0"/>
-                <a:cs typeface="Arial" panose="020B0604020202020204" pitchFamily="34" charset="0"/>
-              </a:rPr>
-              <a:t>el </a:t>
-            </a:r>
-            <a:r>
-              <a:rPr lang="es-ES" sz="900" dirty="0" smtClean="0">
-                <a:solidFill>
-                  <a:schemeClr val="tx1"/>
-                </a:solidFill>
-                <a:latin typeface="Arial" panose="020B0604020202020204" pitchFamily="34" charset="0"/>
-                <a:cs typeface="Arial" panose="020B0604020202020204" pitchFamily="34" charset="0"/>
-              </a:rPr>
-              <a:t>producto de los medios es igual al producto de los extremos</a:t>
-            </a:r>
-            <a:endParaRPr lang="es-ES" sz="900" dirty="0">
-              <a:solidFill>
-                <a:schemeClr val="tx1"/>
-              </a:solidFill>
-              <a:latin typeface="Arial" panose="020B0604020202020204" pitchFamily="34" charset="0"/>
-              <a:cs typeface="Arial" panose="020B0604020202020204" pitchFamily="34" charset="0"/>
-            </a:endParaRPr>
-          </a:p>
-        </p:txBody>
-      </p:sp>
-      <p:sp>
-        <p:nvSpPr>
-          <p:cNvPr id="286" name="Rectángulo 285" descr="Nodo de quinto nivel" title="Nodo05"/>
-          <p:cNvSpPr/>
-          <p:nvPr/>
-        </p:nvSpPr>
-        <p:spPr>
-          <a:xfrm>
-            <a:off x="4737842" y="4252715"/>
-            <a:ext cx="967110" cy="577751"/>
-          </a:xfrm>
-          <a:prstGeom prst="rect">
-            <a:avLst/>
-          </a:prstGeom>
-          <a:solidFill>
-            <a:schemeClr val="bg1"/>
-          </a:solidFill>
-          <a:ln>
-            <a:solidFill>
-              <a:schemeClr val="tx1"/>
-            </a:solidFill>
-          </a:ln>
-        </p:spPr>
-        <p:style>
-          <a:lnRef idx="2">
-            <a:schemeClr val="accent6"/>
-          </a:lnRef>
-          <a:fillRef idx="1">
-            <a:schemeClr val="lt1"/>
-          </a:fillRef>
-          <a:effectRef idx="0">
-            <a:schemeClr val="accent6"/>
-          </a:effectRef>
-          <a:fontRef idx="minor">
-            <a:schemeClr val="dk1"/>
-          </a:fontRef>
-        </p:style>
-        <p:txBody>
-          <a:bodyPr rtlCol="0" anchor="ctr"/>
-          <a:lstStyle/>
-          <a:p>
-            <a:pPr algn="ctr"/>
-            <a:r>
-              <a:rPr lang="es-ES" sz="900" dirty="0" smtClean="0">
-                <a:solidFill>
-                  <a:schemeClr val="tx1"/>
-                </a:solidFill>
-                <a:latin typeface="Arial" panose="020B0604020202020204" pitchFamily="34" charset="0"/>
-                <a:cs typeface="Arial" panose="020B0604020202020204" pitchFamily="34" charset="0"/>
-              </a:rPr>
-              <a:t>el </a:t>
-            </a:r>
-            <a:r>
-              <a:rPr lang="es-ES" sz="900" dirty="0" smtClean="0">
-                <a:solidFill>
-                  <a:schemeClr val="tx1"/>
-                </a:solidFill>
-                <a:latin typeface="Arial" panose="020B0604020202020204" pitchFamily="34" charset="0"/>
-                <a:cs typeface="Arial" panose="020B0604020202020204" pitchFamily="34" charset="0"/>
-              </a:rPr>
-              <a:t>cociente de las magnitudes es constante</a:t>
-            </a:r>
-            <a:endParaRPr lang="es-ES" sz="900" dirty="0">
-              <a:solidFill>
-                <a:schemeClr val="tx1"/>
-              </a:solidFill>
-              <a:latin typeface="Arial" panose="020B0604020202020204" pitchFamily="34" charset="0"/>
-              <a:cs typeface="Arial" panose="020B0604020202020204" pitchFamily="34" charset="0"/>
-            </a:endParaRPr>
-          </a:p>
-        </p:txBody>
-      </p:sp>
-      <p:sp>
-        <p:nvSpPr>
-          <p:cNvPr id="287" name="CuadroTexto 286" descr="Conector entre nodos" title="conector"/>
-          <p:cNvSpPr txBox="1"/>
-          <p:nvPr/>
-        </p:nvSpPr>
-        <p:spPr>
-          <a:xfrm>
-            <a:off x="5183277" y="2605735"/>
-            <a:ext cx="1117174" cy="230832"/>
-          </a:xfrm>
-          <a:prstGeom prst="rect">
-            <a:avLst/>
-          </a:prstGeom>
-          <a:noFill/>
-        </p:spPr>
-        <p:txBody>
-          <a:bodyPr wrap="square" rtlCol="0">
-            <a:spAutoFit/>
-          </a:bodyPr>
-          <a:lstStyle/>
-          <a:p>
-            <a:pPr algn="ctr"/>
-            <a:r>
-              <a:rPr lang="es-ES" sz="900" dirty="0" smtClean="0">
-                <a:latin typeface="Arial" panose="020B0604020202020204" pitchFamily="34" charset="0"/>
-                <a:cs typeface="Arial" panose="020B0604020202020204" pitchFamily="34" charset="0"/>
-              </a:rPr>
-              <a:t>característica</a:t>
-            </a:r>
-            <a:endParaRPr lang="es-ES" sz="900" dirty="0">
-              <a:latin typeface="Arial" panose="020B0604020202020204" pitchFamily="34" charset="0"/>
-              <a:cs typeface="Arial" panose="020B0604020202020204" pitchFamily="34" charset="0"/>
-            </a:endParaRPr>
-          </a:p>
-        </p:txBody>
-      </p:sp>
-      <p:cxnSp>
-        <p:nvCxnSpPr>
-          <p:cNvPr id="288" name="Conector angular 287"/>
-          <p:cNvCxnSpPr>
-            <a:stCxn id="282" idx="2"/>
-            <a:endCxn id="284" idx="0"/>
-          </p:cNvCxnSpPr>
-          <p:nvPr/>
-        </p:nvCxnSpPr>
-        <p:spPr>
-          <a:xfrm rot="5400000">
-            <a:off x="3961235" y="2915310"/>
-            <a:ext cx="158930" cy="1455"/>
-          </a:xfrm>
-          <a:prstGeom prst="bentConnector3">
-            <a:avLst>
-              <a:gd name="adj1" fmla="val 50000"/>
-            </a:avLst>
-          </a:prstGeom>
-          <a:ln w="12700">
-            <a:solidFill>
-              <a:schemeClr val="tx1"/>
-            </a:solidFill>
-          </a:ln>
-        </p:spPr>
-        <p:style>
-          <a:lnRef idx="1">
-            <a:schemeClr val="accent1"/>
-          </a:lnRef>
-          <a:fillRef idx="0">
-            <a:schemeClr val="accent1"/>
-          </a:fillRef>
-          <a:effectRef idx="0">
-            <a:schemeClr val="accent1"/>
-          </a:effectRef>
-          <a:fontRef idx="minor">
-            <a:schemeClr val="tx1"/>
-          </a:fontRef>
-        </p:style>
-      </p:cxnSp>
-      <p:cxnSp>
-        <p:nvCxnSpPr>
-          <p:cNvPr id="290" name="Conector angular 289"/>
-          <p:cNvCxnSpPr>
-            <a:stCxn id="287" idx="2"/>
-            <a:endCxn id="156" idx="0"/>
-          </p:cNvCxnSpPr>
-          <p:nvPr/>
-        </p:nvCxnSpPr>
-        <p:spPr>
-          <a:xfrm rot="5400000">
-            <a:off x="5659566" y="2917289"/>
-            <a:ext cx="163020" cy="1576"/>
-          </a:xfrm>
-          <a:prstGeom prst="bentConnector3">
-            <a:avLst>
-              <a:gd name="adj1" fmla="val 50000"/>
-            </a:avLst>
-          </a:prstGeom>
-          <a:ln w="12700">
-            <a:solidFill>
-              <a:schemeClr val="tx1"/>
-            </a:solidFill>
-          </a:ln>
-        </p:spPr>
-        <p:style>
-          <a:lnRef idx="1">
-            <a:schemeClr val="accent1"/>
-          </a:lnRef>
-          <a:fillRef idx="0">
-            <a:schemeClr val="accent1"/>
-          </a:fillRef>
-          <a:effectRef idx="0">
-            <a:schemeClr val="accent1"/>
-          </a:effectRef>
-          <a:fontRef idx="minor">
-            <a:schemeClr val="tx1"/>
-          </a:fontRef>
-        </p:style>
-      </p:cxnSp>
-      <p:sp>
-        <p:nvSpPr>
-          <p:cNvPr id="291" name="CuadroTexto 290" descr="Conector entre nodos" title="conector"/>
-          <p:cNvSpPr txBox="1"/>
-          <p:nvPr/>
-        </p:nvSpPr>
-        <p:spPr>
-          <a:xfrm>
-            <a:off x="5178109" y="3810841"/>
-            <a:ext cx="1117174" cy="230832"/>
           </a:xfrm>
           <a:prstGeom prst="rect">
             <a:avLst/>
@@ -3065,35 +2534,24 @@
                 <a:latin typeface="Arial" panose="020B0604020202020204" pitchFamily="34" charset="0"/>
                 <a:cs typeface="Arial" panose="020B0604020202020204" pitchFamily="34" charset="0"/>
               </a:rPr>
-              <a:t>s</a:t>
+              <a:t>dice</a:t>
             </a:r>
-            <a:r>
-              <a:rPr lang="es-ES" sz="900" dirty="0" smtClean="0">
-                <a:latin typeface="Arial" panose="020B0604020202020204" pitchFamily="34" charset="0"/>
-                <a:cs typeface="Arial" panose="020B0604020202020204" pitchFamily="34" charset="0"/>
-              </a:rPr>
-              <a:t>e identifican por</a:t>
-            </a:r>
-            <a:endParaRPr lang="es-ES" sz="900" dirty="0">
-              <a:latin typeface="Arial" panose="020B0604020202020204" pitchFamily="34" charset="0"/>
-              <a:cs typeface="Arial" panose="020B0604020202020204" pitchFamily="34" charset="0"/>
-            </a:endParaRPr>
           </a:p>
         </p:txBody>
       </p:sp>
       <p:cxnSp>
         <p:nvCxnSpPr>
-          <p:cNvPr id="292" name="Conector angular 291"/>
+          <p:cNvPr id="283" name="Conector angular 282"/>
           <p:cNvCxnSpPr>
-            <a:stCxn id="225" idx="2"/>
-            <a:endCxn id="287" idx="0"/>
+            <a:stCxn id="188" idx="2"/>
+            <a:endCxn id="280" idx="0"/>
           </p:cNvCxnSpPr>
           <p:nvPr/>
         </p:nvCxnSpPr>
         <p:spPr>
-          <a:xfrm rot="5400000">
-            <a:off x="5690100" y="2553365"/>
-            <a:ext cx="104134" cy="606"/>
+          <a:xfrm rot="16200000" flipH="1">
+            <a:off x="3996752" y="1880896"/>
+            <a:ext cx="93137" cy="3786"/>
           </a:xfrm>
           <a:prstGeom prst="bentConnector3">
             <a:avLst>
@@ -3121,73 +2579,30 @@
           </a:fontRef>
         </p:style>
       </p:cxnSp>
-      <p:cxnSp>
-        <p:nvCxnSpPr>
-          <p:cNvPr id="293" name="Conector angular 292"/>
-          <p:cNvCxnSpPr>
-            <a:stCxn id="286" idx="0"/>
-            <a:endCxn id="291" idx="2"/>
-          </p:cNvCxnSpPr>
-          <p:nvPr/>
-        </p:nvCxnSpPr>
-        <p:spPr>
-          <a:xfrm rot="5400000" flipH="1" flipV="1">
-            <a:off x="5373525" y="3889545"/>
-            <a:ext cx="211042" cy="515299"/>
-          </a:xfrm>
-          <a:prstGeom prst="bentConnector3">
-            <a:avLst/>
-          </a:prstGeom>
-          <a:ln w="12700">
-            <a:solidFill>
-              <a:schemeClr val="tx1"/>
-            </a:solidFill>
-          </a:ln>
-        </p:spPr>
-        <p:style>
-          <a:lnRef idx="1">
-            <a:schemeClr val="accent1"/>
-          </a:lnRef>
-          <a:fillRef idx="0">
-            <a:schemeClr val="accent1"/>
-          </a:fillRef>
-          <a:effectRef idx="0">
-            <a:schemeClr val="accent1"/>
-          </a:effectRef>
-          <a:fontRef idx="minor">
-            <a:schemeClr val="tx1"/>
-          </a:fontRef>
-        </p:style>
-      </p:cxnSp>
       <p:sp>
         <p:nvSpPr>
-          <p:cNvPr id="335" name="Rectángulo 334" descr="Nodo de primer nivel" title="Nodo01"/>
+          <p:cNvPr id="284" name="Rectángulo 283" descr="Nodo de tercer nivel" title="Nodo03"/>
           <p:cNvSpPr/>
           <p:nvPr/>
         </p:nvSpPr>
         <p:spPr>
           <a:xfrm>
-            <a:off x="5749614" y="875638"/>
-            <a:ext cx="2105781" cy="439782"/>
+            <a:off x="3479929" y="2995502"/>
+            <a:ext cx="1120085" cy="664890"/>
           </a:xfrm>
           <a:prstGeom prst="rect">
             <a:avLst/>
           </a:prstGeom>
           <a:solidFill>
-            <a:schemeClr val="bg1"/>
+            <a:schemeClr val="bg2">
+              <a:lumMod val="90000"/>
+            </a:schemeClr>
           </a:solidFill>
           <a:ln>
             <a:solidFill>
               <a:schemeClr val="tx1"/>
             </a:solidFill>
           </a:ln>
-          <a:effectLst>
-            <a:outerShdw blurRad="50800" dist="38100" dir="2700000" algn="tl" rotWithShape="0">
-              <a:prstClr val="black">
-                <a:alpha val="40000"/>
-              </a:prstClr>
-            </a:outerShdw>
-          </a:effectLst>
         </p:spPr>
         <p:style>
           <a:lnRef idx="2">
@@ -3208,264 +2623,6 @@
           <a:lstStyle/>
           <a:p>
             <a:pPr algn="ctr"/>
-            <a:r>
-              <a:rPr lang="es-ES" sz="1200" b="1" dirty="0" smtClean="0">
-                <a:latin typeface="Arial" panose="020B0604020202020204" pitchFamily="34" charset="0"/>
-                <a:cs typeface="Arial" panose="020B0604020202020204" pitchFamily="34" charset="0"/>
-              </a:rPr>
-              <a:t>Tipos de proporcionalidad</a:t>
-            </a:r>
-            <a:endParaRPr lang="es-ES" sz="1200" b="1" dirty="0">
-              <a:latin typeface="Arial" panose="020B0604020202020204" pitchFamily="34" charset="0"/>
-              <a:cs typeface="Arial" panose="020B0604020202020204" pitchFamily="34" charset="0"/>
-            </a:endParaRPr>
-          </a:p>
-        </p:txBody>
-      </p:sp>
-      <p:cxnSp>
-        <p:nvCxnSpPr>
-          <p:cNvPr id="336" name="Conector angular 335"/>
-          <p:cNvCxnSpPr>
-            <a:stCxn id="4" idx="2"/>
-            <a:endCxn id="335" idx="0"/>
-          </p:cNvCxnSpPr>
-          <p:nvPr/>
-        </p:nvCxnSpPr>
-        <p:spPr>
-          <a:xfrm rot="16200000" flipH="1">
-            <a:off x="5554800" y="-372067"/>
-            <a:ext cx="444502" cy="2050908"/>
-          </a:xfrm>
-          <a:prstGeom prst="bentConnector3">
-            <a:avLst/>
-          </a:prstGeom>
-          <a:ln w="12700">
-            <a:solidFill>
-              <a:schemeClr val="tx1"/>
-            </a:solidFill>
-          </a:ln>
-        </p:spPr>
-        <p:style>
-          <a:lnRef idx="1">
-            <a:schemeClr val="accent1"/>
-          </a:lnRef>
-          <a:fillRef idx="0">
-            <a:schemeClr val="accent1"/>
-          </a:fillRef>
-          <a:effectRef idx="0">
-            <a:schemeClr val="accent1"/>
-          </a:effectRef>
-          <a:fontRef idx="minor">
-            <a:schemeClr val="tx1"/>
-          </a:fontRef>
-        </p:style>
-      </p:cxnSp>
-      <p:cxnSp>
-        <p:nvCxnSpPr>
-          <p:cNvPr id="338" name="Conector angular 337"/>
-          <p:cNvCxnSpPr>
-            <a:stCxn id="335" idx="2"/>
-            <a:endCxn id="225" idx="0"/>
-          </p:cNvCxnSpPr>
-          <p:nvPr/>
-        </p:nvCxnSpPr>
-        <p:spPr>
-          <a:xfrm rot="5400000">
-            <a:off x="5964058" y="1093833"/>
-            <a:ext cx="616860" cy="1060035"/>
-          </a:xfrm>
-          <a:prstGeom prst="bentConnector3">
-            <a:avLst>
-              <a:gd name="adj1" fmla="val 50000"/>
-            </a:avLst>
-          </a:prstGeom>
-          <a:ln w="12700">
-            <a:solidFill>
-              <a:schemeClr val="tx1"/>
-            </a:solidFill>
-          </a:ln>
-        </p:spPr>
-        <p:style>
-          <a:lnRef idx="1">
-            <a:schemeClr val="accent1"/>
-          </a:lnRef>
-          <a:fillRef idx="0">
-            <a:schemeClr val="accent1"/>
-          </a:fillRef>
-          <a:effectRef idx="0">
-            <a:schemeClr val="accent1"/>
-          </a:effectRef>
-          <a:fontRef idx="minor">
-            <a:schemeClr val="tx1"/>
-          </a:fontRef>
-        </p:style>
-      </p:cxnSp>
-      <p:sp>
-        <p:nvSpPr>
-          <p:cNvPr id="339" name="Rectángulo 338" descr="Nodo de segundo nivel" title="Nodo02"/>
-          <p:cNvSpPr/>
-          <p:nvPr/>
-        </p:nvSpPr>
-        <p:spPr>
-          <a:xfrm>
-            <a:off x="7194614" y="1929359"/>
-            <a:ext cx="1326899" cy="572242"/>
-          </a:xfrm>
-          <a:prstGeom prst="rect">
-            <a:avLst/>
-          </a:prstGeom>
-          <a:solidFill>
-            <a:schemeClr val="bg2">
-              <a:lumMod val="50000"/>
-            </a:schemeClr>
-          </a:solidFill>
-          <a:ln>
-            <a:solidFill>
-              <a:schemeClr val="tx1"/>
-            </a:solidFill>
-          </a:ln>
-        </p:spPr>
-        <p:style>
-          <a:lnRef idx="2">
-            <a:schemeClr val="accent6"/>
-          </a:lnRef>
-          <a:fillRef idx="1">
-            <a:schemeClr val="lt1"/>
-          </a:fillRef>
-          <a:effectRef idx="0">
-            <a:schemeClr val="accent6"/>
-          </a:effectRef>
-          <a:fontRef idx="minor">
-            <a:schemeClr val="dk1"/>
-          </a:fontRef>
-        </p:style>
-        <p:txBody>
-          <a:bodyPr rtlCol="0" anchor="ctr"/>
-          <a:lstStyle/>
-          <a:p>
-            <a:pPr algn="ctr"/>
-            <a:r>
-              <a:rPr lang="es-ES" sz="1050" dirty="0" smtClean="0">
-                <a:solidFill>
-                  <a:schemeClr val="bg1"/>
-                </a:solidFill>
-                <a:latin typeface="Arial" panose="020B0604020202020204" pitchFamily="34" charset="0"/>
-                <a:cs typeface="Arial" panose="020B0604020202020204" pitchFamily="34" charset="0"/>
-              </a:rPr>
-              <a:t>inversa</a:t>
-            </a:r>
-            <a:endParaRPr lang="es-ES" sz="1050" dirty="0">
-              <a:solidFill>
-                <a:schemeClr val="bg1"/>
-              </a:solidFill>
-              <a:latin typeface="Arial" panose="020B0604020202020204" pitchFamily="34" charset="0"/>
-              <a:cs typeface="Arial" panose="020B0604020202020204" pitchFamily="34" charset="0"/>
-            </a:endParaRPr>
-          </a:p>
-        </p:txBody>
-      </p:sp>
-      <p:cxnSp>
-        <p:nvCxnSpPr>
-          <p:cNvPr id="340" name="Conector angular 339"/>
-          <p:cNvCxnSpPr>
-            <a:stCxn id="335" idx="2"/>
-            <a:endCxn id="339" idx="0"/>
-          </p:cNvCxnSpPr>
-          <p:nvPr/>
-        </p:nvCxnSpPr>
-        <p:spPr>
-          <a:xfrm rot="16200000" flipH="1">
-            <a:off x="7023315" y="1094609"/>
-            <a:ext cx="613939" cy="1055559"/>
-          </a:xfrm>
-          <a:prstGeom prst="bentConnector3">
-            <a:avLst>
-              <a:gd name="adj1" fmla="val 50000"/>
-            </a:avLst>
-          </a:prstGeom>
-          <a:ln w="12700">
-            <a:solidFill>
-              <a:schemeClr val="tx1"/>
-            </a:solidFill>
-          </a:ln>
-        </p:spPr>
-        <p:style>
-          <a:lnRef idx="1">
-            <a:schemeClr val="accent1"/>
-          </a:lnRef>
-          <a:fillRef idx="0">
-            <a:schemeClr val="accent1"/>
-          </a:fillRef>
-          <a:effectRef idx="0">
-            <a:schemeClr val="accent1"/>
-          </a:effectRef>
-          <a:fontRef idx="minor">
-            <a:schemeClr val="tx1"/>
-          </a:fontRef>
-        </p:style>
-      </p:cxnSp>
-      <p:sp>
-        <p:nvSpPr>
-          <p:cNvPr id="345" name="Rectángulo 344" descr="Nodo de quinto nivel" title="Nodo05"/>
-          <p:cNvSpPr/>
-          <p:nvPr/>
-        </p:nvSpPr>
-        <p:spPr>
-          <a:xfrm>
-            <a:off x="6846480" y="4239060"/>
-            <a:ext cx="980776" cy="590063"/>
-          </a:xfrm>
-          <a:prstGeom prst="rect">
-            <a:avLst/>
-          </a:prstGeom>
-          <a:solidFill>
-            <a:schemeClr val="bg1"/>
-          </a:solidFill>
-          <a:ln>
-            <a:solidFill>
-              <a:schemeClr val="tx1"/>
-            </a:solidFill>
-          </a:ln>
-        </p:spPr>
-        <p:style>
-          <a:lnRef idx="2">
-            <a:schemeClr val="accent6"/>
-          </a:lnRef>
-          <a:fillRef idx="1">
-            <a:schemeClr val="lt1"/>
-          </a:fillRef>
-          <a:effectRef idx="0">
-            <a:schemeClr val="accent6"/>
-          </a:effectRef>
-          <a:fontRef idx="minor">
-            <a:schemeClr val="dk1"/>
-          </a:fontRef>
-        </p:style>
-        <p:txBody>
-          <a:bodyPr rtlCol="0" anchor="ctr"/>
-          <a:lstStyle/>
-          <a:p>
-            <a:pPr algn="ctr"/>
-            <a:r>
-              <a:rPr lang="es-ES" sz="900" dirty="0" smtClean="0">
-                <a:solidFill>
-                  <a:schemeClr val="tx1"/>
-                </a:solidFill>
-                <a:latin typeface="Arial" panose="020B0604020202020204" pitchFamily="34" charset="0"/>
-                <a:cs typeface="Arial" panose="020B0604020202020204" pitchFamily="34" charset="0"/>
-              </a:rPr>
-              <a:t>el </a:t>
-            </a:r>
-            <a:r>
-              <a:rPr lang="es-ES" sz="900" dirty="0" smtClean="0">
-                <a:solidFill>
-                  <a:schemeClr val="tx1"/>
-                </a:solidFill>
-                <a:latin typeface="Arial" panose="020B0604020202020204" pitchFamily="34" charset="0"/>
-                <a:cs typeface="Arial" panose="020B0604020202020204" pitchFamily="34" charset="0"/>
-              </a:rPr>
-              <a:t>producto </a:t>
-            </a:r>
             <a:r>
               <a:rPr lang="es-ES" sz="900" dirty="0">
                 <a:solidFill>
@@ -3474,58 +2631,76 @@
                 <a:latin typeface="Arial" panose="020B0604020202020204" pitchFamily="34" charset="0"/>
                 <a:cs typeface="Arial" panose="020B0604020202020204" pitchFamily="34" charset="0"/>
               </a:rPr>
-              <a:t>de las magnitudes es constante</a:t>
+              <a:t>el producto de los medios es igual al producto de los extremos</a:t>
             </a:r>
           </a:p>
         </p:txBody>
       </p:sp>
-      <p:cxnSp>
-        <p:nvCxnSpPr>
-          <p:cNvPr id="349" name="Conector angular 348"/>
-          <p:cNvCxnSpPr/>
-          <p:nvPr/>
-        </p:nvCxnSpPr>
-        <p:spPr>
-          <a:xfrm rot="16200000" flipH="1">
-            <a:off x="8142960" y="3424392"/>
-            <a:ext cx="152651" cy="876"/>
-          </a:xfrm>
-          <a:prstGeom prst="bentConnector3">
-            <a:avLst>
-              <a:gd name="adj1" fmla="val 50000"/>
-            </a:avLst>
-          </a:prstGeom>
-          <a:ln w="12700">
-            <a:solidFill>
-              <a:schemeClr val="tx1"/>
-            </a:solidFill>
-          </a:ln>
-        </p:spPr>
-        <p:style>
-          <a:lnRef idx="1">
-            <a:schemeClr val="accent1"/>
-          </a:lnRef>
-          <a:fillRef idx="0">
-            <a:schemeClr val="accent1"/>
-          </a:fillRef>
-          <a:effectRef idx="0">
-            <a:schemeClr val="accent1"/>
-          </a:effectRef>
-          <a:fontRef idx="minor">
-            <a:schemeClr val="tx1"/>
-          </a:fontRef>
-        </p:style>
-      </p:cxnSp>
       <p:sp>
         <p:nvSpPr>
-          <p:cNvPr id="350" name="CuadroTexto 349" descr="Conector entre nodos" title="conector"/>
+          <p:cNvPr id="286" name="Rectángulo 285" descr="Nodo de quinto nivel" title="Nodo05"/>
+          <p:cNvSpPr/>
+          <p:nvPr/>
+        </p:nvSpPr>
+        <p:spPr>
+          <a:xfrm>
+            <a:off x="4690952" y="4252715"/>
+            <a:ext cx="967110" cy="577751"/>
+          </a:xfrm>
+          <a:prstGeom prst="rect">
+            <a:avLst/>
+          </a:prstGeom>
+          <a:solidFill>
+            <a:schemeClr val="bg1"/>
+          </a:solidFill>
+          <a:ln>
+            <a:solidFill>
+              <a:schemeClr val="tx1"/>
+            </a:solidFill>
+          </a:ln>
+        </p:spPr>
+        <p:style>
+          <a:lnRef idx="2">
+            <a:schemeClr val="accent6"/>
+          </a:lnRef>
+          <a:fillRef idx="1">
+            <a:schemeClr val="lt1"/>
+          </a:fillRef>
+          <a:effectRef idx="0">
+            <a:schemeClr val="accent6"/>
+          </a:effectRef>
+          <a:fontRef idx="minor">
+            <a:schemeClr val="dk1"/>
+          </a:fontRef>
+        </p:style>
+        <p:txBody>
+          <a:bodyPr rtlCol="0" anchor="ctr"/>
+          <a:lstStyle/>
+          <a:p>
+            <a:pPr algn="ctr"/>
+            <a:r>
+              <a:rPr lang="es-ES" sz="900" dirty="0">
+                <a:solidFill>
+                  <a:schemeClr val="tx1"/>
+                </a:solidFill>
+                <a:latin typeface="Arial" panose="020B0604020202020204" pitchFamily="34" charset="0"/>
+                <a:cs typeface="Arial" panose="020B0604020202020204" pitchFamily="34" charset="0"/>
+              </a:rPr>
+              <a:t>el cociente de las magnitudes es constante</a:t>
+            </a:r>
+          </a:p>
+        </p:txBody>
+      </p:sp>
+      <p:sp>
+        <p:nvSpPr>
+          <p:cNvPr id="287" name="CuadroTexto 286" descr="Conector entre nodos" title="conector"/>
           <p:cNvSpPr txBox="1"/>
           <p:nvPr/>
         </p:nvSpPr>
         <p:spPr>
           <a:xfrm>
-            <a:off x="7194614" y="3810840"/>
-            <a:ext cx="1326898" cy="230832"/>
+            <a:off x="5136387" y="2605735"/>
+            <a:ext cx="1117174" cy="230832"/>
           </a:xfrm>
           <a:prstGeom prst="rect">
             <a:avLst/>
@@ -3544,19 +2719,558 @@
                 <a:latin typeface="Arial" panose="020B0604020202020204" pitchFamily="34" charset="0"/>
                 <a:cs typeface="Arial" panose="020B0604020202020204" pitchFamily="34" charset="0"/>
               </a:rPr>
-              <a:t>s</a:t>
+              <a:t>característica</a:t>
             </a:r>
+          </a:p>
+        </p:txBody>
+      </p:sp>
+      <p:cxnSp>
+        <p:nvCxnSpPr>
+          <p:cNvPr id="288" name="Conector angular 287"/>
+          <p:cNvCxnSpPr>
+            <a:stCxn id="282" idx="2"/>
+            <a:endCxn id="284" idx="0"/>
+          </p:cNvCxnSpPr>
+          <p:nvPr/>
+        </p:nvCxnSpPr>
+        <p:spPr>
+          <a:xfrm rot="5400000">
+            <a:off x="3961235" y="2915310"/>
+            <a:ext cx="158930" cy="1455"/>
+          </a:xfrm>
+          <a:prstGeom prst="bentConnector3">
+            <a:avLst>
+              <a:gd name="adj1" fmla="val 50000"/>
+            </a:avLst>
+          </a:prstGeom>
+          <a:ln w="12700">
+            <a:solidFill>
+              <a:schemeClr val="tx1"/>
+            </a:solidFill>
+          </a:ln>
+        </p:spPr>
+        <p:style>
+          <a:lnRef idx="1">
+            <a:schemeClr val="accent1"/>
+          </a:lnRef>
+          <a:fillRef idx="0">
+            <a:schemeClr val="accent1"/>
+          </a:fillRef>
+          <a:effectRef idx="0">
+            <a:schemeClr val="accent1"/>
+          </a:effectRef>
+          <a:fontRef idx="minor">
+            <a:schemeClr val="tx1"/>
+          </a:fontRef>
+        </p:style>
+      </p:cxnSp>
+      <p:cxnSp>
+        <p:nvCxnSpPr>
+          <p:cNvPr id="290" name="Conector angular 289"/>
+          <p:cNvCxnSpPr>
+            <a:stCxn id="287" idx="2"/>
+            <a:endCxn id="156" idx="0"/>
+          </p:cNvCxnSpPr>
+          <p:nvPr/>
+        </p:nvCxnSpPr>
+        <p:spPr>
+          <a:xfrm rot="5400000">
+            <a:off x="5612676" y="2917289"/>
+            <a:ext cx="163020" cy="1576"/>
+          </a:xfrm>
+          <a:prstGeom prst="bentConnector3">
+            <a:avLst>
+              <a:gd name="adj1" fmla="val 50000"/>
+            </a:avLst>
+          </a:prstGeom>
+          <a:ln w="12700">
+            <a:solidFill>
+              <a:schemeClr val="tx1"/>
+            </a:solidFill>
+          </a:ln>
+        </p:spPr>
+        <p:style>
+          <a:lnRef idx="1">
+            <a:schemeClr val="accent1"/>
+          </a:lnRef>
+          <a:fillRef idx="0">
+            <a:schemeClr val="accent1"/>
+          </a:fillRef>
+          <a:effectRef idx="0">
+            <a:schemeClr val="accent1"/>
+          </a:effectRef>
+          <a:fontRef idx="minor">
+            <a:schemeClr val="tx1"/>
+          </a:fontRef>
+        </p:style>
+      </p:cxnSp>
+      <p:sp>
+        <p:nvSpPr>
+          <p:cNvPr id="291" name="CuadroTexto 290" descr="Conector entre nodos" title="conector"/>
+          <p:cNvSpPr txBox="1"/>
+          <p:nvPr/>
+        </p:nvSpPr>
+        <p:spPr>
+          <a:xfrm>
+            <a:off x="5131219" y="3810841"/>
+            <a:ext cx="1117174" cy="230832"/>
+          </a:xfrm>
+          <a:prstGeom prst="rect">
+            <a:avLst/>
+          </a:prstGeom>
+          <a:noFill/>
+        </p:spPr>
+        <p:txBody>
+          <a:bodyPr wrap="square" rtlCol="0">
+            <a:spAutoFit/>
+          </a:bodyPr>
+          <a:lstStyle/>
+          <a:p>
+            <a:pPr algn="ctr"/>
             <a:r>
-              <a:rPr lang="es-ES" sz="900" dirty="0" smtClean="0">
+              <a:rPr lang="es-ES" sz="900" dirty="0">
                 <a:latin typeface="Arial" panose="020B0604020202020204" pitchFamily="34" charset="0"/>
                 <a:cs typeface="Arial" panose="020B0604020202020204" pitchFamily="34" charset="0"/>
               </a:rPr>
-              <a:t>e identifican por</a:t>
+              <a:t>se identifican por</a:t>
             </a:r>
-            <a:endParaRPr lang="es-ES" sz="900" dirty="0">
-              <a:latin typeface="Arial" panose="020B0604020202020204" pitchFamily="34" charset="0"/>
-              <a:cs typeface="Arial" panose="020B0604020202020204" pitchFamily="34" charset="0"/>
-            </a:endParaRPr>
+          </a:p>
+        </p:txBody>
+      </p:sp>
+      <p:cxnSp>
+        <p:nvCxnSpPr>
+          <p:cNvPr id="292" name="Conector angular 291"/>
+          <p:cNvCxnSpPr>
+            <a:stCxn id="225" idx="2"/>
+            <a:endCxn id="287" idx="0"/>
+          </p:cNvCxnSpPr>
+          <p:nvPr/>
+        </p:nvCxnSpPr>
+        <p:spPr>
+          <a:xfrm rot="5400000">
+            <a:off x="5643210" y="2553365"/>
+            <a:ext cx="104134" cy="606"/>
+          </a:xfrm>
+          <a:prstGeom prst="bentConnector3">
+            <a:avLst>
+              <a:gd name="adj1" fmla="val 50000"/>
+            </a:avLst>
+          </a:prstGeom>
+          <a:ln w="12700">
+            <a:solidFill>
+              <a:schemeClr val="tx1"/>
+            </a:solidFill>
+          </a:ln>
+        </p:spPr>
+        <p:style>
+          <a:lnRef idx="1">
+            <a:schemeClr val="accent1"/>
+          </a:lnRef>
+          <a:fillRef idx="0">
+            <a:schemeClr val="accent1"/>
+          </a:fillRef>
+          <a:effectRef idx="0">
+            <a:schemeClr val="accent1"/>
+          </a:effectRef>
+          <a:fontRef idx="minor">
+            <a:schemeClr val="tx1"/>
+          </a:fontRef>
+        </p:style>
+      </p:cxnSp>
+      <p:cxnSp>
+        <p:nvCxnSpPr>
+          <p:cNvPr id="293" name="Conector angular 292"/>
+          <p:cNvCxnSpPr>
+            <a:stCxn id="286" idx="0"/>
+            <a:endCxn id="291" idx="2"/>
+          </p:cNvCxnSpPr>
+          <p:nvPr/>
+        </p:nvCxnSpPr>
+        <p:spPr>
+          <a:xfrm rot="5400000" flipH="1" flipV="1">
+            <a:off x="5326635" y="3889545"/>
+            <a:ext cx="211042" cy="515299"/>
+          </a:xfrm>
+          <a:prstGeom prst="bentConnector3">
+            <a:avLst/>
+          </a:prstGeom>
+          <a:ln w="12700">
+            <a:solidFill>
+              <a:schemeClr val="tx1"/>
+            </a:solidFill>
+          </a:ln>
+        </p:spPr>
+        <p:style>
+          <a:lnRef idx="1">
+            <a:schemeClr val="accent1"/>
+          </a:lnRef>
+          <a:fillRef idx="0">
+            <a:schemeClr val="accent1"/>
+          </a:fillRef>
+          <a:effectRef idx="0">
+            <a:schemeClr val="accent1"/>
+          </a:effectRef>
+          <a:fontRef idx="minor">
+            <a:schemeClr val="tx1"/>
+          </a:fontRef>
+        </p:style>
+      </p:cxnSp>
+      <p:sp>
+        <p:nvSpPr>
+          <p:cNvPr id="335" name="Rectángulo 334" descr="Nodo de primer nivel" title="Nodo01"/>
+          <p:cNvSpPr/>
+          <p:nvPr/>
+        </p:nvSpPr>
+        <p:spPr>
+          <a:xfrm>
+            <a:off x="5749614" y="875638"/>
+            <a:ext cx="2105781" cy="439782"/>
+          </a:xfrm>
+          <a:prstGeom prst="rect">
+            <a:avLst/>
+          </a:prstGeom>
+          <a:solidFill>
+            <a:schemeClr val="bg1"/>
+          </a:solidFill>
+          <a:ln>
+            <a:solidFill>
+              <a:schemeClr val="tx1"/>
+            </a:solidFill>
+          </a:ln>
+          <a:effectLst>
+            <a:outerShdw blurRad="50800" dist="38100" dir="2700000" algn="tl" rotWithShape="0">
+              <a:prstClr val="black">
+                <a:alpha val="40000"/>
+              </a:prstClr>
+            </a:outerShdw>
+          </a:effectLst>
+        </p:spPr>
+        <p:style>
+          <a:lnRef idx="2">
+            <a:schemeClr val="accent6"/>
+          </a:lnRef>
+          <a:fillRef idx="1">
+            <a:schemeClr val="lt1"/>
+          </a:fillRef>
+          <a:effectRef idx="0">
+            <a:schemeClr val="accent6"/>
+          </a:effectRef>
+          <a:fontRef idx="minor">
+            <a:schemeClr val="dk1"/>
+          </a:fontRef>
+        </p:style>
+        <p:txBody>
+          <a:bodyPr rtlCol="0" anchor="ctr"/>
+          <a:lstStyle/>
+          <a:p>
+            <a:pPr algn="ctr"/>
+            <a:r>
+              <a:rPr lang="es-ES" sz="1200" b="1" dirty="0">
+                <a:latin typeface="Arial" panose="020B0604020202020204" pitchFamily="34" charset="0"/>
+                <a:cs typeface="Arial" panose="020B0604020202020204" pitchFamily="34" charset="0"/>
+              </a:rPr>
+              <a:t>Tipos de proporcionalidad</a:t>
+            </a:r>
+          </a:p>
+        </p:txBody>
+      </p:sp>
+      <p:cxnSp>
+        <p:nvCxnSpPr>
+          <p:cNvPr id="336" name="Conector angular 335"/>
+          <p:cNvCxnSpPr>
+            <a:stCxn id="4" idx="2"/>
+            <a:endCxn id="335" idx="0"/>
+          </p:cNvCxnSpPr>
+          <p:nvPr/>
+        </p:nvCxnSpPr>
+        <p:spPr>
+          <a:xfrm rot="16200000" flipH="1">
+            <a:off x="5554800" y="-372067"/>
+            <a:ext cx="444502" cy="2050908"/>
+          </a:xfrm>
+          <a:prstGeom prst="bentConnector3">
+            <a:avLst/>
+          </a:prstGeom>
+          <a:ln w="12700">
+            <a:solidFill>
+              <a:schemeClr val="tx1"/>
+            </a:solidFill>
+          </a:ln>
+        </p:spPr>
+        <p:style>
+          <a:lnRef idx="1">
+            <a:schemeClr val="accent1"/>
+          </a:lnRef>
+          <a:fillRef idx="0">
+            <a:schemeClr val="accent1"/>
+          </a:fillRef>
+          <a:effectRef idx="0">
+            <a:schemeClr val="accent1"/>
+          </a:effectRef>
+          <a:fontRef idx="minor">
+            <a:schemeClr val="tx1"/>
+          </a:fontRef>
+        </p:style>
+      </p:cxnSp>
+      <p:cxnSp>
+        <p:nvCxnSpPr>
+          <p:cNvPr id="338" name="Conector angular 337"/>
+          <p:cNvCxnSpPr>
+            <a:stCxn id="335" idx="2"/>
+            <a:endCxn id="225" idx="0"/>
+          </p:cNvCxnSpPr>
+          <p:nvPr/>
+        </p:nvCxnSpPr>
+        <p:spPr>
+          <a:xfrm rot="5400000">
+            <a:off x="5940613" y="1070388"/>
+            <a:ext cx="616860" cy="1106925"/>
+          </a:xfrm>
+          <a:prstGeom prst="bentConnector3">
+            <a:avLst>
+              <a:gd name="adj1" fmla="val 50000"/>
+            </a:avLst>
+          </a:prstGeom>
+          <a:ln w="12700">
+            <a:solidFill>
+              <a:schemeClr val="tx1"/>
+            </a:solidFill>
+          </a:ln>
+        </p:spPr>
+        <p:style>
+          <a:lnRef idx="1">
+            <a:schemeClr val="accent1"/>
+          </a:lnRef>
+          <a:fillRef idx="0">
+            <a:schemeClr val="accent1"/>
+          </a:fillRef>
+          <a:effectRef idx="0">
+            <a:schemeClr val="accent1"/>
+          </a:effectRef>
+          <a:fontRef idx="minor">
+            <a:schemeClr val="tx1"/>
+          </a:fontRef>
+        </p:style>
+      </p:cxnSp>
+      <p:sp>
+        <p:nvSpPr>
+          <p:cNvPr id="339" name="Rectángulo 338" descr="Nodo de segundo nivel" title="Nodo02"/>
+          <p:cNvSpPr/>
+          <p:nvPr/>
+        </p:nvSpPr>
+        <p:spPr>
+          <a:xfrm>
+            <a:off x="7233689" y="1929359"/>
+            <a:ext cx="1326899" cy="572242"/>
+          </a:xfrm>
+          <a:prstGeom prst="rect">
+            <a:avLst/>
+          </a:prstGeom>
+          <a:solidFill>
+            <a:schemeClr val="bg2">
+              <a:lumMod val="50000"/>
+            </a:schemeClr>
+          </a:solidFill>
+          <a:ln>
+            <a:solidFill>
+              <a:schemeClr val="tx1"/>
+            </a:solidFill>
+          </a:ln>
+        </p:spPr>
+        <p:style>
+          <a:lnRef idx="2">
+            <a:schemeClr val="accent6"/>
+          </a:lnRef>
+          <a:fillRef idx="1">
+            <a:schemeClr val="lt1"/>
+          </a:fillRef>
+          <a:effectRef idx="0">
+            <a:schemeClr val="accent6"/>
+          </a:effectRef>
+          <a:fontRef idx="minor">
+            <a:schemeClr val="dk1"/>
+          </a:fontRef>
+        </p:style>
+        <p:txBody>
+          <a:bodyPr rtlCol="0" anchor="ctr"/>
+          <a:lstStyle/>
+          <a:p>
+            <a:pPr algn="ctr"/>
+            <a:r>
+              <a:rPr lang="es-ES" sz="1050" dirty="0">
+                <a:solidFill>
+                  <a:schemeClr val="bg1"/>
+                </a:solidFill>
+                <a:latin typeface="Arial" panose="020B0604020202020204" pitchFamily="34" charset="0"/>
+                <a:cs typeface="Arial" panose="020B0604020202020204" pitchFamily="34" charset="0"/>
+              </a:rPr>
+              <a:t>inversa</a:t>
+            </a:r>
+          </a:p>
+        </p:txBody>
+      </p:sp>
+      <p:cxnSp>
+        <p:nvCxnSpPr>
+          <p:cNvPr id="340" name="Conector angular 339"/>
+          <p:cNvCxnSpPr>
+            <a:stCxn id="335" idx="2"/>
+            <a:endCxn id="339" idx="0"/>
+          </p:cNvCxnSpPr>
+          <p:nvPr/>
+        </p:nvCxnSpPr>
+        <p:spPr>
+          <a:xfrm rot="16200000" flipH="1">
+            <a:off x="7042853" y="1075072"/>
+            <a:ext cx="613939" cy="1094634"/>
+          </a:xfrm>
+          <a:prstGeom prst="bentConnector3">
+            <a:avLst>
+              <a:gd name="adj1" fmla="val 50000"/>
+            </a:avLst>
+          </a:prstGeom>
+          <a:ln w="12700">
+            <a:solidFill>
+              <a:schemeClr val="tx1"/>
+            </a:solidFill>
+          </a:ln>
+        </p:spPr>
+        <p:style>
+          <a:lnRef idx="1">
+            <a:schemeClr val="accent1"/>
+          </a:lnRef>
+          <a:fillRef idx="0">
+            <a:schemeClr val="accent1"/>
+          </a:fillRef>
+          <a:effectRef idx="0">
+            <a:schemeClr val="accent1"/>
+          </a:effectRef>
+          <a:fontRef idx="minor">
+            <a:schemeClr val="tx1"/>
+          </a:fontRef>
+        </p:style>
+      </p:cxnSp>
+      <p:sp>
+        <p:nvSpPr>
+          <p:cNvPr id="345" name="Rectángulo 344" descr="Nodo de quinto nivel" title="Nodo05"/>
+          <p:cNvSpPr/>
+          <p:nvPr/>
+        </p:nvSpPr>
+        <p:spPr>
+          <a:xfrm>
+            <a:off x="6885555" y="4239060"/>
+            <a:ext cx="980776" cy="590063"/>
+          </a:xfrm>
+          <a:prstGeom prst="rect">
+            <a:avLst/>
+          </a:prstGeom>
+          <a:solidFill>
+            <a:schemeClr val="bg1"/>
+          </a:solidFill>
+          <a:ln>
+            <a:solidFill>
+              <a:schemeClr val="tx1"/>
+            </a:solidFill>
+          </a:ln>
+        </p:spPr>
+        <p:style>
+          <a:lnRef idx="2">
+            <a:schemeClr val="accent6"/>
+          </a:lnRef>
+          <a:fillRef idx="1">
+            <a:schemeClr val="lt1"/>
+          </a:fillRef>
+          <a:effectRef idx="0">
+            <a:schemeClr val="accent6"/>
+          </a:effectRef>
+          <a:fontRef idx="minor">
+            <a:schemeClr val="dk1"/>
+          </a:fontRef>
+        </p:style>
+        <p:txBody>
+          <a:bodyPr rtlCol="0" anchor="ctr"/>
+          <a:lstStyle/>
+          <a:p>
+            <a:pPr algn="ctr"/>
+            <a:r>
+              <a:rPr lang="es-ES" sz="900" dirty="0">
+                <a:solidFill>
+                  <a:schemeClr val="tx1"/>
+                </a:solidFill>
+                <a:latin typeface="Arial" panose="020B0604020202020204" pitchFamily="34" charset="0"/>
+                <a:cs typeface="Arial" panose="020B0604020202020204" pitchFamily="34" charset="0"/>
+              </a:rPr>
+              <a:t>el producto de las magnitudes es constante</a:t>
+            </a:r>
+          </a:p>
+        </p:txBody>
+      </p:sp>
+      <p:cxnSp>
+        <p:nvCxnSpPr>
+          <p:cNvPr id="349" name="Conector angular 348"/>
+          <p:cNvCxnSpPr/>
+          <p:nvPr/>
+        </p:nvCxnSpPr>
+        <p:spPr>
+          <a:xfrm rot="16200000" flipH="1">
+            <a:off x="8182035" y="3424392"/>
+            <a:ext cx="152651" cy="876"/>
+          </a:xfrm>
+          <a:prstGeom prst="bentConnector3">
+            <a:avLst>
+              <a:gd name="adj1" fmla="val 50000"/>
+            </a:avLst>
+          </a:prstGeom>
+          <a:ln w="12700">
+            <a:solidFill>
+              <a:schemeClr val="tx1"/>
+            </a:solidFill>
+          </a:ln>
+        </p:spPr>
+        <p:style>
+          <a:lnRef idx="1">
+            <a:schemeClr val="accent1"/>
+          </a:lnRef>
+          <a:fillRef idx="0">
+            <a:schemeClr val="accent1"/>
+          </a:fillRef>
+          <a:effectRef idx="0">
+            <a:schemeClr val="accent1"/>
+          </a:effectRef>
+          <a:fontRef idx="minor">
+            <a:schemeClr val="tx1"/>
+          </a:fontRef>
+        </p:style>
+      </p:cxnSp>
+      <p:sp>
+        <p:nvSpPr>
+          <p:cNvPr id="350" name="CuadroTexto 349" descr="Conector entre nodos" title="conector"/>
+          <p:cNvSpPr txBox="1"/>
+          <p:nvPr/>
+        </p:nvSpPr>
+        <p:spPr>
+          <a:xfrm>
+            <a:off x="7233689" y="3810840"/>
+            <a:ext cx="1326898" cy="230832"/>
+          </a:xfrm>
+          <a:prstGeom prst="rect">
+            <a:avLst/>
+          </a:prstGeom>
+          <a:noFill/>
+        </p:spPr>
+        <p:txBody>
+          <a:bodyPr wrap="square" rtlCol="0">
+            <a:spAutoFit/>
+          </a:bodyPr>
+          <a:lstStyle/>
+          <a:p>
+            <a:pPr algn="ctr"/>
+            <a:r>
+              <a:rPr lang="es-ES" sz="900" dirty="0">
+                <a:latin typeface="Arial" panose="020B0604020202020204" pitchFamily="34" charset="0"/>
+                <a:cs typeface="Arial" panose="020B0604020202020204" pitchFamily="34" charset="0"/>
+              </a:rPr>
+              <a:t>se identifican por</a:t>
+            </a:r>
           </a:p>
         </p:txBody>
       </p:sp>
@@ -3571,7 +3285,7 @@
         </p:nvCxnSpPr>
         <p:spPr>
           <a:xfrm rot="5400000">
-            <a:off x="7785449" y="3738225"/>
+            <a:off x="7824524" y="3738225"/>
             <a:ext cx="145230" cy="1"/>
           </a:xfrm>
           <a:prstGeom prst="bentConnector3">
@@ -3611,7 +3325,7 @@
         </p:nvCxnSpPr>
         <p:spPr>
           <a:xfrm rot="5400000" flipH="1" flipV="1">
-            <a:off x="7498771" y="3879769"/>
+            <a:off x="7537846" y="3879769"/>
             <a:ext cx="197388" cy="521195"/>
           </a:xfrm>
           <a:prstGeom prst="bentConnector3">
@@ -3646,8 +3360,8 @@
         </p:nvSpPr>
         <p:spPr>
           <a:xfrm>
-            <a:off x="5749614" y="4248099"/>
-            <a:ext cx="945654" cy="582367"/>
+            <a:off x="5697893" y="4248099"/>
+            <a:ext cx="1137828" cy="582367"/>
           </a:xfrm>
           <a:prstGeom prst="rect">
             <a:avLst/>
@@ -3681,32 +3395,15 @@
           <a:p>
             <a:pPr algn="ctr"/>
             <a:r>
-              <a:rPr lang="es-ES" sz="900" dirty="0" smtClean="0">
+              <a:rPr lang="es-ES" sz="900" dirty="0">
                 <a:solidFill>
                   <a:schemeClr val="tx1"/>
                 </a:solidFill>
                 <a:latin typeface="Arial" panose="020B0604020202020204" pitchFamily="34" charset="0"/>
                 <a:cs typeface="Arial" panose="020B0604020202020204" pitchFamily="34" charset="0"/>
               </a:rPr>
-              <a:t>la </a:t>
+              <a:t>la representación es una línea recta que pasa por el origen</a:t>
             </a:r>
-            <a:r>
-              <a:rPr lang="es-ES" sz="900" dirty="0" smtClean="0">
-                <a:solidFill>
-                  <a:schemeClr val="tx1"/>
-                </a:solidFill>
-                <a:latin typeface="Arial" panose="020B0604020202020204" pitchFamily="34" charset="0"/>
-                <a:cs typeface="Arial" panose="020B0604020202020204" pitchFamily="34" charset="0"/>
-              </a:rPr>
-              <a:t>representación es una línea recta</a:t>
-            </a:r>
-            <a:endParaRPr lang="es-ES" sz="900" dirty="0">
-              <a:solidFill>
-                <a:schemeClr val="tx1"/>
-              </a:solidFill>
-              <a:latin typeface="Arial" panose="020B0604020202020204" pitchFamily="34" charset="0"/>
-              <a:cs typeface="Arial" panose="020B0604020202020204" pitchFamily="34" charset="0"/>
-            </a:endParaRPr>
           </a:p>
         </p:txBody>
       </p:sp>
@@ -3718,7 +3415,7 @@
         </p:nvSpPr>
         <p:spPr>
           <a:xfrm>
-            <a:off x="7295355" y="2605733"/>
+            <a:off x="7334430" y="2605733"/>
             <a:ext cx="1120084" cy="230832"/>
           </a:xfrm>
           <a:prstGeom prst="rect">
@@ -3734,16 +3431,12 @@
           <a:p>
             <a:pPr algn="ctr"/>
             <a:r>
-              <a:rPr lang="es-ES" sz="900" dirty="0" smtClean="0">
+              <a:rPr lang="es-ES" sz="900" dirty="0">
                 <a:latin typeface="Arial" panose="020B0604020202020204" pitchFamily="34" charset="0"/>
                 <a:cs typeface="Arial" panose="020B0604020202020204" pitchFamily="34" charset="0"/>
               </a:rPr>
               <a:t>característica</a:t>
             </a:r>
-            <a:endParaRPr lang="es-ES" sz="900" dirty="0">
-              <a:latin typeface="Arial" panose="020B0604020202020204" pitchFamily="34" charset="0"/>
-              <a:cs typeface="Arial" panose="020B0604020202020204" pitchFamily="34" charset="0"/>
-            </a:endParaRPr>
           </a:p>
         </p:txBody>
       </p:sp>
@@ -3758,7 +3451,7 @@
         </p:nvCxnSpPr>
         <p:spPr>
           <a:xfrm rot="5400000" flipH="1" flipV="1">
-            <a:off x="7804664" y="2552334"/>
+            <a:off x="7843739" y="2552334"/>
             <a:ext cx="104132" cy="2667"/>
           </a:xfrm>
           <a:prstGeom prst="bentConnector3">
@@ -3798,7 +3491,7 @@
         </p:nvCxnSpPr>
         <p:spPr>
           <a:xfrm rot="5400000" flipH="1" flipV="1">
-            <a:off x="5663268" y="3733821"/>
+            <a:off x="5616378" y="3733821"/>
             <a:ext cx="150449" cy="3592"/>
           </a:xfrm>
           <a:prstGeom prst="bentConnector3">
@@ -3838,8 +3531,8 @@
         </p:nvCxnSpPr>
         <p:spPr>
           <a:xfrm rot="16200000" flipV="1">
-            <a:off x="5876356" y="3902013"/>
-            <a:ext cx="206426" cy="485745"/>
+            <a:off x="5875094" y="3856385"/>
+            <a:ext cx="206426" cy="577001"/>
           </a:xfrm>
           <a:prstGeom prst="bentConnector3">
             <a:avLst>
@@ -3875,7 +3568,7 @@
         </p:nvSpPr>
         <p:spPr>
           <a:xfrm>
-            <a:off x="7884278" y="4248099"/>
+            <a:off x="7923353" y="4248099"/>
             <a:ext cx="1073742" cy="582367"/>
           </a:xfrm>
           <a:prstGeom prst="rect">
@@ -3909,16 +3602,6 @@
           <a:lstStyle/>
           <a:p>
             <a:pPr algn="ctr"/>
-            <a:r>
-              <a:rPr lang="es-ES" sz="900" dirty="0" smtClean="0">
-                <a:solidFill>
-                  <a:schemeClr val="tx1"/>
-                </a:solidFill>
-                <a:latin typeface="Arial" panose="020B0604020202020204" pitchFamily="34" charset="0"/>
-                <a:cs typeface="Arial" panose="020B0604020202020204" pitchFamily="34" charset="0"/>
-              </a:rPr>
-              <a:t>la </a:t>
-            </a:r>
             <a:r>
               <a:rPr lang="es-ES" sz="900" dirty="0">
                 <a:solidFill>
@@ -3927,25 +3610,8 @@
                 <a:latin typeface="Arial" panose="020B0604020202020204" pitchFamily="34" charset="0"/>
                 <a:cs typeface="Arial" panose="020B0604020202020204" pitchFamily="34" charset="0"/>
               </a:rPr>
-              <a:t>representación es una línea </a:t>
+              <a:t>la representación es una línea curva</a:t>
             </a:r>
-            <a:r>
-              <a:rPr lang="es-ES" sz="900" dirty="0" smtClean="0">
-                <a:solidFill>
-                  <a:schemeClr val="tx1"/>
-                </a:solidFill>
-                <a:latin typeface="Arial" panose="020B0604020202020204" pitchFamily="34" charset="0"/>
-                <a:cs typeface="Arial" panose="020B0604020202020204" pitchFamily="34" charset="0"/>
-              </a:rPr>
-              <a:t>curva</a:t>
-            </a:r>
-            <a:endParaRPr lang="es-ES" sz="900" dirty="0">
-              <a:solidFill>
-                <a:schemeClr val="tx1"/>
-              </a:solidFill>
-              <a:latin typeface="Arial" panose="020B0604020202020204" pitchFamily="34" charset="0"/>
-              <a:cs typeface="Arial" panose="020B0604020202020204" pitchFamily="34" charset="0"/>
-            </a:endParaRPr>
           </a:p>
         </p:txBody>
       </p:sp>
@@ -3973,16 +3639,12 @@
           <a:p>
             <a:pPr algn="ctr"/>
             <a:r>
-              <a:rPr lang="es-ES" sz="900" dirty="0" smtClean="0">
+              <a:rPr lang="es-ES" sz="900" dirty="0">
                 <a:latin typeface="Arial" panose="020B0604020202020204" pitchFamily="34" charset="0"/>
                 <a:cs typeface="Arial" panose="020B0604020202020204" pitchFamily="34" charset="0"/>
               </a:rPr>
               <a:t>es</a:t>
             </a:r>
-            <a:endParaRPr lang="es-ES" sz="900" dirty="0">
-              <a:latin typeface="Arial" panose="020B0604020202020204" pitchFamily="34" charset="0"/>
-              <a:cs typeface="Arial" panose="020B0604020202020204" pitchFamily="34" charset="0"/>
-            </a:endParaRPr>
           </a:p>
         </p:txBody>
       </p:sp>
@@ -4010,16 +3672,12 @@
           <a:p>
             <a:pPr algn="ctr"/>
             <a:r>
-              <a:rPr lang="es-ES" sz="900" dirty="0" smtClean="0">
+              <a:rPr lang="es-ES" sz="900" dirty="0">
                 <a:latin typeface="Arial" panose="020B0604020202020204" pitchFamily="34" charset="0"/>
                 <a:cs typeface="Arial" panose="020B0604020202020204" pitchFamily="34" charset="0"/>
               </a:rPr>
               <a:t>cumple</a:t>
             </a:r>
-            <a:endParaRPr lang="es-ES" sz="900" dirty="0">
-              <a:latin typeface="Arial" panose="020B0604020202020204" pitchFamily="34" charset="0"/>
-              <a:cs typeface="Arial" panose="020B0604020202020204" pitchFamily="34" charset="0"/>
-            </a:endParaRPr>
           </a:p>
         </p:txBody>
       </p:sp>
@@ -4031,7 +3689,7 @@
         </p:nvSpPr>
         <p:spPr>
           <a:xfrm>
-            <a:off x="5077032" y="1932280"/>
+            <a:off x="5030142" y="1932280"/>
             <a:ext cx="1330876" cy="569321"/>
           </a:xfrm>
           <a:prstGeom prst="rect">
@@ -4068,7 +3726,7 @@
           <a:p>
             <a:pPr algn="ctr"/>
             <a:r>
-              <a:rPr lang="es-ES" sz="1050" dirty="0" smtClean="0">
+              <a:rPr lang="es-ES" sz="1050" dirty="0">
                 <a:solidFill>
                   <a:schemeClr val="bg1"/>
                 </a:solidFill>
@@ -4077,13 +3735,6 @@
               </a:rPr>
               <a:t>directa</a:t>
             </a:r>
-            <a:endParaRPr lang="es-ES" sz="1050" dirty="0">
-              <a:solidFill>
-                <a:schemeClr val="bg1"/>
-              </a:solidFill>
-              <a:latin typeface="Arial" panose="020B0604020202020204" pitchFamily="34" charset="0"/>
-              <a:cs typeface="Arial" panose="020B0604020202020204" pitchFamily="34" charset="0"/>
-            </a:endParaRPr>
           </a:p>
         </p:txBody>
       </p:sp>
@@ -4135,7 +3786,7 @@
         </p:nvSpPr>
         <p:spPr>
           <a:xfrm>
-            <a:off x="5077032" y="2999587"/>
+            <a:off x="5030142" y="2999587"/>
             <a:ext cx="1326512" cy="660805"/>
           </a:xfrm>
           <a:prstGeom prst="rect">
@@ -4172,32 +3823,15 @@
           <a:p>
             <a:pPr algn="ctr"/>
             <a:r>
-              <a:rPr lang="es-ES" sz="900" dirty="0" smtClean="0">
+              <a:rPr lang="es-ES" sz="900" dirty="0">
                 <a:solidFill>
                   <a:schemeClr val="tx1"/>
                 </a:solidFill>
                 <a:latin typeface="Arial" panose="020B0604020202020204" pitchFamily="34" charset="0"/>
                 <a:cs typeface="Arial" panose="020B0604020202020204" pitchFamily="34" charset="0"/>
               </a:rPr>
-              <a:t>si </a:t>
+              <a:t>si una magnitud crece o decrece , la otra también lo hace en la misma proporción</a:t>
             </a:r>
-            <a:r>
-              <a:rPr lang="es-ES" sz="900" dirty="0" smtClean="0">
-                <a:solidFill>
-                  <a:schemeClr val="tx1"/>
-                </a:solidFill>
-                <a:latin typeface="Arial" panose="020B0604020202020204" pitchFamily="34" charset="0"/>
-                <a:cs typeface="Arial" panose="020B0604020202020204" pitchFamily="34" charset="0"/>
-              </a:rPr>
-              <a:t>una magnitud crece o decrece , la otra también lo hace en la misma proporción</a:t>
-            </a:r>
-            <a:endParaRPr lang="es-ES" sz="900" dirty="0">
-              <a:solidFill>
-                <a:schemeClr val="tx1"/>
-              </a:solidFill>
-              <a:latin typeface="Arial" panose="020B0604020202020204" pitchFamily="34" charset="0"/>
-              <a:cs typeface="Arial" panose="020B0604020202020204" pitchFamily="34" charset="0"/>
-            </a:endParaRPr>
           </a:p>
         </p:txBody>
       </p:sp>
@@ -4209,7 +3843,7 @@
         </p:nvSpPr>
         <p:spPr>
           <a:xfrm>
-            <a:off x="7194614" y="2999588"/>
+            <a:off x="7233689" y="2999588"/>
             <a:ext cx="1326899" cy="666022"/>
           </a:xfrm>
           <a:prstGeom prst="rect">
@@ -4246,32 +3880,15 @@
           <a:p>
             <a:pPr algn="ctr"/>
             <a:r>
-              <a:rPr lang="es-ES" sz="900" dirty="0" smtClean="0">
+              <a:rPr lang="es-ES" sz="900" dirty="0">
                 <a:solidFill>
                   <a:schemeClr val="tx1"/>
                 </a:solidFill>
                 <a:latin typeface="Arial" panose="020B0604020202020204" pitchFamily="34" charset="0"/>
                 <a:cs typeface="Arial" panose="020B0604020202020204" pitchFamily="34" charset="0"/>
               </a:rPr>
-              <a:t>si </a:t>
+              <a:t>si una magnitud crece la otra decrece  en la  misma  proporción, o viceversa</a:t>
             </a:r>
-            <a:r>
-              <a:rPr lang="es-ES" sz="900" dirty="0" smtClean="0">
-                <a:solidFill>
-                  <a:schemeClr val="tx1"/>
-                </a:solidFill>
-                <a:latin typeface="Arial" panose="020B0604020202020204" pitchFamily="34" charset="0"/>
-                <a:cs typeface="Arial" panose="020B0604020202020204" pitchFamily="34" charset="0"/>
-              </a:rPr>
-              <a:t>una magnitud crece la otra decrece  en la  misma  proporción, o viceversa</a:t>
-            </a:r>
-            <a:endParaRPr lang="es-ES" sz="900" dirty="0">
-              <a:solidFill>
-                <a:schemeClr val="tx1"/>
-              </a:solidFill>
-              <a:latin typeface="Arial" panose="020B0604020202020204" pitchFamily="34" charset="0"/>
-              <a:cs typeface="Arial" panose="020B0604020202020204" pitchFamily="34" charset="0"/>
-            </a:endParaRPr>
           </a:p>
         </p:txBody>
       </p:sp>
@@ -4286,7 +3903,7 @@
         </p:nvCxnSpPr>
         <p:spPr>
           <a:xfrm rot="16200000" flipH="1">
-            <a:off x="7775219" y="2916742"/>
+            <a:off x="7814294" y="2916742"/>
             <a:ext cx="163023" cy="2667"/>
           </a:xfrm>
           <a:prstGeom prst="bentConnector3">
@@ -4326,7 +3943,7 @@
         </p:nvCxnSpPr>
         <p:spPr>
           <a:xfrm rot="16200000" flipV="1">
-            <a:off x="8036393" y="3863343"/>
+            <a:off x="8075468" y="3863343"/>
             <a:ext cx="206427" cy="563086"/>
           </a:xfrm>
           <a:prstGeom prst="bentConnector3">
